--- a/documentation/UIAutomation.pptx
+++ b/documentation/UIAutomation.pptx
@@ -5,23 +5,22 @@
     <p:sldMasterId id="2147493593" r:id="rId4"/>
   </p:sldMasterIdLst>
   <p:notesMasterIdLst>
-    <p:notesMasterId r:id="rId16"/>
+    <p:notesMasterId r:id="rId15"/>
   </p:notesMasterIdLst>
   <p:handoutMasterIdLst>
-    <p:handoutMasterId r:id="rId17"/>
+    <p:handoutMasterId r:id="rId16"/>
   </p:handoutMasterIdLst>
   <p:sldIdLst>
-    <p:sldId id="397" r:id="rId5"/>
-    <p:sldId id="399" r:id="rId6"/>
-    <p:sldId id="405" r:id="rId7"/>
-    <p:sldId id="403" r:id="rId8"/>
-    <p:sldId id="413" r:id="rId9"/>
-    <p:sldId id="401" r:id="rId10"/>
-    <p:sldId id="412" r:id="rId11"/>
-    <p:sldId id="402" r:id="rId12"/>
-    <p:sldId id="411" r:id="rId13"/>
-    <p:sldId id="409" r:id="rId14"/>
-    <p:sldId id="406" r:id="rId15"/>
+    <p:sldId id="399" r:id="rId5"/>
+    <p:sldId id="405" r:id="rId6"/>
+    <p:sldId id="403" r:id="rId7"/>
+    <p:sldId id="413" r:id="rId8"/>
+    <p:sldId id="401" r:id="rId9"/>
+    <p:sldId id="412" r:id="rId10"/>
+    <p:sldId id="402" r:id="rId11"/>
+    <p:sldId id="411" r:id="rId12"/>
+    <p:sldId id="409" r:id="rId13"/>
+    <p:sldId id="406" r:id="rId14"/>
   </p:sldIdLst>
   <p:sldSz cx="9144000" cy="6858000" type="screen4x3"/>
   <p:notesSz cx="7023100" cy="9309100"/>
@@ -293,7 +292,7 @@
               <a:pPr>
                 <a:defRPr/>
               </a:pPr>
-              <a:t>10/13/2019</a:t>
+              <a:t>10/14/2019</a:t>
             </a:fld>
             <a:endParaRPr lang="en-US"/>
           </a:p>
@@ -527,7 +526,7 @@
               <a:pPr>
                 <a:defRPr/>
               </a:pPr>
-              <a:t>10/13/2019</a:t>
+              <a:t>10/14/2019</a:t>
             </a:fld>
             <a:endParaRPr lang="en-US"/>
           </a:p>
@@ -992,7 +991,7 @@
           <a:p>
             <a:fld id="{405ED854-F088-4891-A270-E60A9468B5C3}" type="datetimeFigureOut">
               <a:rPr lang="en-US" smtClean="0"/>
-              <a:t>10/13/2019</a:t>
+              <a:t>10/14/2019</a:t>
             </a:fld>
             <a:endParaRPr lang="en-US"/>
           </a:p>
@@ -1163,7 +1162,7 @@
           <a:p>
             <a:fld id="{405ED854-F088-4891-A270-E60A9468B5C3}" type="datetimeFigureOut">
               <a:rPr lang="en-US" smtClean="0"/>
-              <a:t>10/13/2019</a:t>
+              <a:t>10/14/2019</a:t>
             </a:fld>
             <a:endParaRPr lang="en-US"/>
           </a:p>
@@ -1344,7 +1343,7 @@
           <a:p>
             <a:fld id="{405ED854-F088-4891-A270-E60A9468B5C3}" type="datetimeFigureOut">
               <a:rPr lang="en-US" smtClean="0"/>
-              <a:t>10/13/2019</a:t>
+              <a:t>10/14/2019</a:t>
             </a:fld>
             <a:endParaRPr lang="en-US"/>
           </a:p>
@@ -1408,36 +1407,6 @@
 
 <file path=ppt/slideLayouts/slideLayout12.xml><?xml version="1.0" encoding="utf-8"?>
 <p:sldLayout xmlns:a="http://schemas.openxmlformats.org/drawingml/2006/main" xmlns:r="http://schemas.openxmlformats.org/officeDocument/2006/relationships" xmlns:p="http://schemas.openxmlformats.org/presentationml/2006/main" userDrawn="1">
-  <p:cSld name="1_Title Slide">
-    <p:spTree>
-      <p:nvGrpSpPr>
-        <p:cNvPr id="1" name=""/>
-        <p:cNvGrpSpPr/>
-        <p:nvPr/>
-      </p:nvGrpSpPr>
-      <p:grpSpPr>
-        <a:xfrm>
-          <a:off x="0" y="0"/>
-          <a:ext cx="0" cy="0"/>
-          <a:chOff x="0" y="0"/>
-          <a:chExt cx="0" cy="0"/>
-        </a:xfrm>
-      </p:grpSpPr>
-    </p:spTree>
-    <p:extLst>
-      <p:ext uri="{BB962C8B-B14F-4D97-AF65-F5344CB8AC3E}">
-        <p14:creationId xmlns:p14="http://schemas.microsoft.com/office/powerpoint/2010/main" val="744239294"/>
-      </p:ext>
-    </p:extLst>
-  </p:cSld>
-  <p:clrMapOvr>
-    <a:masterClrMapping/>
-  </p:clrMapOvr>
-</p:sldLayout>
-</file>
-
-<file path=ppt/slideLayouts/slideLayout13.xml><?xml version="1.0" encoding="utf-8"?>
-<p:sldLayout xmlns:a="http://schemas.openxmlformats.org/drawingml/2006/main" xmlns:r="http://schemas.openxmlformats.org/officeDocument/2006/relationships" xmlns:p="http://schemas.openxmlformats.org/presentationml/2006/main" userDrawn="1">
   <p:cSld name="Open Layout">
     <p:spTree>
       <p:nvGrpSpPr>
@@ -1565,7 +1534,7 @@
 </p:sldLayout>
 </file>
 
-<file path=ppt/slideLayouts/slideLayout14.xml><?xml version="1.0" encoding="utf-8"?>
+<file path=ppt/slideLayouts/slideLayout13.xml><?xml version="1.0" encoding="utf-8"?>
 <p:sldLayout xmlns:a="http://schemas.openxmlformats.org/drawingml/2006/main" xmlns:r="http://schemas.openxmlformats.org/officeDocument/2006/relationships" xmlns:p="http://schemas.openxmlformats.org/presentationml/2006/main" userDrawn="1">
   <p:cSld name="Two Column">
     <p:spTree>
@@ -1890,7 +1859,7 @@
 </p:sldLayout>
 </file>
 
-<file path=ppt/slideLayouts/slideLayout15.xml><?xml version="1.0" encoding="utf-8"?>
+<file path=ppt/slideLayouts/slideLayout14.xml><?xml version="1.0" encoding="utf-8"?>
 <p:sldLayout xmlns:a="http://schemas.openxmlformats.org/drawingml/2006/main" xmlns:r="http://schemas.openxmlformats.org/officeDocument/2006/relationships" xmlns:p="http://schemas.openxmlformats.org/presentationml/2006/main" userDrawn="1">
   <p:cSld name="Two Column with Takeaway">
     <p:spTree>
@@ -2364,7 +2333,7 @@
           <a:p>
             <a:fld id="{405ED854-F088-4891-A270-E60A9468B5C3}" type="datetimeFigureOut">
               <a:rPr lang="en-US" smtClean="0"/>
-              <a:t>10/13/2019</a:t>
+              <a:t>10/14/2019</a:t>
             </a:fld>
             <a:endParaRPr lang="en-US"/>
           </a:p>
@@ -2611,7 +2580,7 @@
           <a:p>
             <a:fld id="{405ED854-F088-4891-A270-E60A9468B5C3}" type="datetimeFigureOut">
               <a:rPr lang="en-US" smtClean="0"/>
-              <a:t>10/13/2019</a:t>
+              <a:t>10/14/2019</a:t>
             </a:fld>
             <a:endParaRPr lang="en-US"/>
           </a:p>
@@ -2844,7 +2813,7 @@
           <a:p>
             <a:fld id="{405ED854-F088-4891-A270-E60A9468B5C3}" type="datetimeFigureOut">
               <a:rPr lang="en-US" smtClean="0"/>
-              <a:t>10/13/2019</a:t>
+              <a:t>10/14/2019</a:t>
             </a:fld>
             <a:endParaRPr lang="en-US"/>
           </a:p>
@@ -3212,7 +3181,7 @@
           <a:p>
             <a:fld id="{405ED854-F088-4891-A270-E60A9468B5C3}" type="datetimeFigureOut">
               <a:rPr lang="en-US" smtClean="0"/>
-              <a:t>10/13/2019</a:t>
+              <a:t>10/14/2019</a:t>
             </a:fld>
             <a:endParaRPr lang="en-US"/>
           </a:p>
@@ -3331,7 +3300,7 @@
           <a:p>
             <a:fld id="{405ED854-F088-4891-A270-E60A9468B5C3}" type="datetimeFigureOut">
               <a:rPr lang="en-US" smtClean="0"/>
-              <a:t>10/13/2019</a:t>
+              <a:t>10/14/2019</a:t>
             </a:fld>
             <a:endParaRPr lang="en-US"/>
           </a:p>
@@ -3427,7 +3396,7 @@
           <a:p>
             <a:fld id="{405ED854-F088-4891-A270-E60A9468B5C3}" type="datetimeFigureOut">
               <a:rPr lang="en-US" smtClean="0"/>
-              <a:t>10/13/2019</a:t>
+              <a:t>10/14/2019</a:t>
             </a:fld>
             <a:endParaRPr lang="en-US"/>
           </a:p>
@@ -3705,7 +3674,7 @@
           <a:p>
             <a:fld id="{405ED854-F088-4891-A270-E60A9468B5C3}" type="datetimeFigureOut">
               <a:rPr lang="en-US" smtClean="0"/>
-              <a:t>10/13/2019</a:t>
+              <a:t>10/14/2019</a:t>
             </a:fld>
             <a:endParaRPr lang="en-US"/>
           </a:p>
@@ -3959,7 +3928,7 @@
           <a:p>
             <a:fld id="{405ED854-F088-4891-A270-E60A9468B5C3}" type="datetimeFigureOut">
               <a:rPr lang="en-US" smtClean="0"/>
-              <a:t>10/13/2019</a:t>
+              <a:t>10/14/2019</a:t>
             </a:fld>
             <a:endParaRPr lang="en-US"/>
           </a:p>
@@ -4173,7 +4142,7 @@
           <a:p>
             <a:fld id="{405ED854-F088-4891-A270-E60A9468B5C3}" type="datetimeFigureOut">
               <a:rPr lang="en-US" smtClean="0"/>
-              <a:t>10/13/2019</a:t>
+              <a:t>10/14/2019</a:t>
             </a:fld>
             <a:endParaRPr lang="en-US"/>
           </a:p>
@@ -4266,7 +4235,7 @@
           <p:nvPr userDrawn="1"/>
         </p:nvPicPr>
         <p:blipFill>
-          <a:blip r:embed="rId17">
+          <a:blip r:embed="rId16">
             <a:extLst>
               <a:ext uri="{28A0092B-C50C-407E-A947-70E740481C1C}">
                 <a14:useLocalDpi xmlns:a14="http://schemas.microsoft.com/office/drawing/2010/main" val="0"/>
@@ -4331,10 +4300,9 @@
     <p:sldLayoutId id="2147493602" r:id="rId9"/>
     <p:sldLayoutId id="2147493603" r:id="rId10"/>
     <p:sldLayoutId id="2147493604" r:id="rId11"/>
-    <p:sldLayoutId id="2147493605" r:id="rId12"/>
-    <p:sldLayoutId id="2147493606" r:id="rId13"/>
-    <p:sldLayoutId id="2147493607" r:id="rId14"/>
-    <p:sldLayoutId id="2147493608" r:id="rId15"/>
+    <p:sldLayoutId id="2147493606" r:id="rId12"/>
+    <p:sldLayoutId id="2147493607" r:id="rId13"/>
+    <p:sldLayoutId id="2147493608" r:id="rId14"/>
   </p:sldLayoutIdLst>
   <p:hf hdr="0" dt="0"/>
   <p:txStyles>
@@ -4637,10 +4605,938 @@
           <a:chExt cx="0" cy="0"/>
         </a:xfrm>
       </p:grpSpPr>
+      <p:sp>
+        <p:nvSpPr>
+          <p:cNvPr id="2" name="Title 1"/>
+          <p:cNvSpPr>
+            <a:spLocks noGrp="1"/>
+          </p:cNvSpPr>
+          <p:nvPr>
+            <p:ph type="title"/>
+          </p:nvPr>
+        </p:nvSpPr>
+        <p:spPr/>
+        <p:txBody>
+          <a:bodyPr>
+            <a:normAutofit fontScale="90000"/>
+          </a:bodyPr>
+          <a:lstStyle/>
+          <a:p>
+            <a:r>
+              <a:rPr lang="en-US" dirty="0"/>
+              <a:t>UI Automation Overview and Environment</a:t>
+            </a:r>
+          </a:p>
+        </p:txBody>
+      </p:sp>
+      <p:sp>
+        <p:nvSpPr>
+          <p:cNvPr id="3" name="Rectangle 2"/>
+          <p:cNvSpPr/>
+          <p:nvPr/>
+        </p:nvSpPr>
+        <p:spPr>
+          <a:xfrm>
+            <a:off x="988541" y="6198403"/>
+            <a:ext cx="4610981" cy="369332"/>
+          </a:xfrm>
+          <a:prstGeom prst="rect">
+            <a:avLst/>
+          </a:prstGeom>
+          <a:ln w="12700"/>
+        </p:spPr>
+        <p:style>
+          <a:lnRef idx="2">
+            <a:schemeClr val="accent2"/>
+          </a:lnRef>
+          <a:fillRef idx="1">
+            <a:schemeClr val="lt1"/>
+          </a:fillRef>
+          <a:effectRef idx="0">
+            <a:schemeClr val="accent2"/>
+          </a:effectRef>
+          <a:fontRef idx="minor">
+            <a:schemeClr val="dk1"/>
+          </a:fontRef>
+        </p:style>
+        <p:txBody>
+          <a:bodyPr rot="0" spcFirstLastPara="0" vertOverflow="overflow" horzOverflow="overflow" vert="horz" wrap="square" lIns="91440" tIns="45720" rIns="91440" bIns="45720" numCol="1" spcCol="0" rtlCol="0" fromWordArt="0" anchor="ctr" anchorCtr="0" forceAA="0" compatLnSpc="1">
+            <a:prstTxWarp prst="textNoShape">
+              <a:avLst/>
+            </a:prstTxWarp>
+            <a:spAutoFit/>
+          </a:bodyPr>
+          <a:lstStyle/>
+          <a:p>
+            <a:pPr algn="ctr"/>
+            <a:r>
+              <a:rPr lang="en-US" dirty="0" err="1">
+                <a:solidFill>
+                  <a:schemeClr val="accent2"/>
+                </a:solidFill>
+              </a:rPr>
+              <a:t>bitbucket</a:t>
+            </a:r>
+            <a:endParaRPr lang="en-US" dirty="0">
+              <a:solidFill>
+                <a:schemeClr val="accent2"/>
+              </a:solidFill>
+            </a:endParaRPr>
+          </a:p>
+        </p:txBody>
+      </p:sp>
+      <p:sp>
+        <p:nvSpPr>
+          <p:cNvPr id="4" name="Rectangle 3"/>
+          <p:cNvSpPr/>
+          <p:nvPr/>
+        </p:nvSpPr>
+        <p:spPr>
+          <a:xfrm>
+            <a:off x="6128432" y="3146272"/>
+            <a:ext cx="1985319" cy="1123384"/>
+          </a:xfrm>
+          <a:prstGeom prst="rect">
+            <a:avLst/>
+          </a:prstGeom>
+          <a:ln w="12700"/>
+        </p:spPr>
+        <p:style>
+          <a:lnRef idx="2">
+            <a:schemeClr val="accent2"/>
+          </a:lnRef>
+          <a:fillRef idx="1">
+            <a:schemeClr val="lt1"/>
+          </a:fillRef>
+          <a:effectRef idx="0">
+            <a:schemeClr val="accent2"/>
+          </a:effectRef>
+          <a:fontRef idx="minor">
+            <a:schemeClr val="dk1"/>
+          </a:fontRef>
+        </p:style>
+        <p:txBody>
+          <a:bodyPr rot="0" spcFirstLastPara="0" vertOverflow="overflow" horzOverflow="overflow" vert="horz" wrap="square" lIns="91440" tIns="45720" rIns="91440" bIns="45720" numCol="1" spcCol="0" rtlCol="0" fromWordArt="0" anchor="ctr" anchorCtr="0" forceAA="0" compatLnSpc="1">
+            <a:prstTxWarp prst="textNoShape">
+              <a:avLst/>
+            </a:prstTxWarp>
+            <a:spAutoFit/>
+          </a:bodyPr>
+          <a:lstStyle/>
+          <a:p>
+            <a:pPr algn="ctr"/>
+            <a:r>
+              <a:rPr lang="en-US" sz="1100" b="1" dirty="0">
+                <a:solidFill>
+                  <a:schemeClr val="accent2"/>
+                </a:solidFill>
+              </a:rPr>
+              <a:t>Automation Execution </a:t>
+            </a:r>
+            <a:r>
+              <a:rPr lang="en-US" sz="1100" b="1" dirty="0" err="1">
+                <a:solidFill>
+                  <a:schemeClr val="accent2"/>
+                </a:solidFill>
+              </a:rPr>
+              <a:t>Env</a:t>
+            </a:r>
+            <a:endParaRPr lang="en-US" sz="1100" b="1" dirty="0">
+              <a:solidFill>
+                <a:schemeClr val="accent2"/>
+              </a:solidFill>
+            </a:endParaRPr>
+          </a:p>
+          <a:p>
+            <a:pPr algn="ctr"/>
+            <a:r>
+              <a:rPr lang="en-US" sz="1100" b="1" dirty="0">
+                <a:solidFill>
+                  <a:schemeClr val="accent2"/>
+                </a:solidFill>
+              </a:rPr>
+              <a:t>(Cloud Lab VM)</a:t>
+            </a:r>
+          </a:p>
+          <a:p>
+            <a:pPr marL="171450" indent="-171450">
+              <a:buFont typeface="Arial" panose="020B0604020202020204" pitchFamily="34" charset="0"/>
+              <a:buChar char="•"/>
+            </a:pPr>
+            <a:r>
+              <a:rPr lang="en-US" sz="900" dirty="0"/>
+              <a:t>MVN</a:t>
+            </a:r>
+          </a:p>
+          <a:p>
+            <a:pPr marL="171450" indent="-171450">
+              <a:buFont typeface="Arial" panose="020B0604020202020204" pitchFamily="34" charset="0"/>
+              <a:buChar char="•"/>
+            </a:pPr>
+            <a:r>
+              <a:rPr lang="en-US" sz="900" dirty="0" err="1"/>
+              <a:t>Git</a:t>
+            </a:r>
+            <a:r>
+              <a:rPr lang="en-US" sz="900" dirty="0"/>
+              <a:t> Client</a:t>
+            </a:r>
+          </a:p>
+          <a:p>
+            <a:pPr marL="171450" indent="-171450">
+              <a:buFont typeface="Arial" panose="020B0604020202020204" pitchFamily="34" charset="0"/>
+              <a:buChar char="•"/>
+            </a:pPr>
+            <a:r>
+              <a:rPr lang="en-US" sz="900" dirty="0"/>
+              <a:t>JDK 1.8.x</a:t>
+            </a:r>
+          </a:p>
+          <a:p>
+            <a:pPr marL="171450" indent="-171450">
+              <a:buFont typeface="Arial" panose="020B0604020202020204" pitchFamily="34" charset="0"/>
+              <a:buChar char="•"/>
+            </a:pPr>
+            <a:r>
+              <a:rPr lang="en-US" sz="900" dirty="0"/>
+              <a:t>Browser( Chrome/Firefox/IE)</a:t>
+            </a:r>
+          </a:p>
+          <a:p>
+            <a:pPr marL="171450" indent="-171450">
+              <a:buFont typeface="Arial" panose="020B0604020202020204" pitchFamily="34" charset="0"/>
+              <a:buChar char="•"/>
+            </a:pPr>
+            <a:r>
+              <a:rPr lang="en-US" sz="900" dirty="0" err="1">
+                <a:solidFill>
+                  <a:schemeClr val="accent2"/>
+                </a:solidFill>
+              </a:rPr>
+              <a:t>.net</a:t>
+            </a:r>
+            <a:endParaRPr lang="en-US" sz="1400" dirty="0">
+              <a:solidFill>
+                <a:schemeClr val="accent2"/>
+              </a:solidFill>
+            </a:endParaRPr>
+          </a:p>
+        </p:txBody>
+      </p:sp>
+      <p:cxnSp>
+        <p:nvCxnSpPr>
+          <p:cNvPr id="5" name="Straight Arrow Connector 4"/>
+          <p:cNvCxnSpPr>
+            <a:endCxn id="4" idx="2"/>
+          </p:cNvCxnSpPr>
+          <p:nvPr/>
+        </p:nvCxnSpPr>
+        <p:spPr>
+          <a:xfrm flipV="1">
+            <a:off x="4531839" y="4269656"/>
+            <a:ext cx="2589253" cy="1975314"/>
+          </a:xfrm>
+          <a:prstGeom prst="straightConnector1">
+            <a:avLst/>
+          </a:prstGeom>
+          <a:ln w="12700" cmpd="sng">
+            <a:solidFill>
+              <a:schemeClr val="bg1">
+                <a:lumMod val="50000"/>
+              </a:schemeClr>
+            </a:solidFill>
+            <a:headEnd type="triangle" w="med" len="med"/>
+            <a:tailEnd type="triangle" w="med" len="med"/>
+          </a:ln>
+          <a:effectLst/>
+        </p:spPr>
+        <p:style>
+          <a:lnRef idx="2">
+            <a:schemeClr val="accent1"/>
+          </a:lnRef>
+          <a:fillRef idx="0">
+            <a:schemeClr val="accent1"/>
+          </a:fillRef>
+          <a:effectRef idx="1">
+            <a:schemeClr val="accent1"/>
+          </a:effectRef>
+          <a:fontRef idx="minor">
+            <a:schemeClr val="tx1"/>
+          </a:fontRef>
+        </p:style>
+      </p:cxnSp>
+      <p:sp>
+        <p:nvSpPr>
+          <p:cNvPr id="6" name="Rectangle 5"/>
+          <p:cNvSpPr/>
+          <p:nvPr/>
+        </p:nvSpPr>
+        <p:spPr>
+          <a:xfrm>
+            <a:off x="463380" y="2815050"/>
+            <a:ext cx="4718222" cy="1754326"/>
+          </a:xfrm>
+          <a:prstGeom prst="rect">
+            <a:avLst/>
+          </a:prstGeom>
+          <a:ln w="12700"/>
+        </p:spPr>
+        <p:style>
+          <a:lnRef idx="2">
+            <a:schemeClr val="accent2"/>
+          </a:lnRef>
+          <a:fillRef idx="1">
+            <a:schemeClr val="lt1"/>
+          </a:fillRef>
+          <a:effectRef idx="0">
+            <a:schemeClr val="accent2"/>
+          </a:effectRef>
+          <a:fontRef idx="minor">
+            <a:schemeClr val="dk1"/>
+          </a:fontRef>
+        </p:style>
+        <p:txBody>
+          <a:bodyPr rot="0" spcFirstLastPara="0" vertOverflow="overflow" horzOverflow="overflow" vert="horz" wrap="square" lIns="91440" tIns="45720" rIns="91440" bIns="45720" numCol="1" spcCol="0" rtlCol="0" fromWordArt="0" anchor="ctr" anchorCtr="0" forceAA="0" compatLnSpc="1">
+            <a:prstTxWarp prst="textNoShape">
+              <a:avLst/>
+            </a:prstTxWarp>
+            <a:spAutoFit/>
+          </a:bodyPr>
+          <a:lstStyle/>
+          <a:p>
+            <a:pPr algn="ctr"/>
+            <a:endParaRPr lang="en-US" dirty="0">
+              <a:solidFill>
+                <a:schemeClr val="accent2"/>
+              </a:solidFill>
+            </a:endParaRPr>
+          </a:p>
+          <a:p>
+            <a:pPr algn="ctr"/>
+            <a:endParaRPr lang="en-US" dirty="0">
+              <a:solidFill>
+                <a:schemeClr val="accent2"/>
+              </a:solidFill>
+            </a:endParaRPr>
+          </a:p>
+          <a:p>
+            <a:pPr algn="ctr"/>
+            <a:endParaRPr lang="en-US" dirty="0">
+              <a:solidFill>
+                <a:schemeClr val="accent2"/>
+              </a:solidFill>
+            </a:endParaRPr>
+          </a:p>
+          <a:p>
+            <a:pPr algn="ctr"/>
+            <a:endParaRPr lang="en-US" dirty="0">
+              <a:solidFill>
+                <a:schemeClr val="accent2"/>
+              </a:solidFill>
+            </a:endParaRPr>
+          </a:p>
+          <a:p>
+            <a:pPr algn="ctr"/>
+            <a:endParaRPr lang="en-US" dirty="0">
+              <a:solidFill>
+                <a:schemeClr val="accent2"/>
+              </a:solidFill>
+            </a:endParaRPr>
+          </a:p>
+          <a:p>
+            <a:pPr algn="ctr"/>
+            <a:endParaRPr lang="en-US" dirty="0">
+              <a:solidFill>
+                <a:schemeClr val="accent2"/>
+              </a:solidFill>
+            </a:endParaRPr>
+          </a:p>
+        </p:txBody>
+      </p:sp>
+      <p:sp>
+        <p:nvSpPr>
+          <p:cNvPr id="7" name="Rectangle 6"/>
+          <p:cNvSpPr/>
+          <p:nvPr/>
+        </p:nvSpPr>
+        <p:spPr>
+          <a:xfrm>
+            <a:off x="2889422" y="2964759"/>
+            <a:ext cx="2162432" cy="1400383"/>
+          </a:xfrm>
+          <a:prstGeom prst="rect">
+            <a:avLst/>
+          </a:prstGeom>
+          <a:ln w="12700"/>
+        </p:spPr>
+        <p:style>
+          <a:lnRef idx="2">
+            <a:schemeClr val="accent2"/>
+          </a:lnRef>
+          <a:fillRef idx="1">
+            <a:schemeClr val="lt1"/>
+          </a:fillRef>
+          <a:effectRef idx="0">
+            <a:schemeClr val="accent2"/>
+          </a:effectRef>
+          <a:fontRef idx="minor">
+            <a:schemeClr val="dk1"/>
+          </a:fontRef>
+        </p:style>
+        <p:txBody>
+          <a:bodyPr rot="0" spcFirstLastPara="0" vertOverflow="overflow" horzOverflow="overflow" vert="horz" wrap="square" lIns="91440" tIns="45720" rIns="91440" bIns="45720" numCol="1" spcCol="0" rtlCol="0" fromWordArt="0" anchor="ctr" anchorCtr="0" forceAA="0" compatLnSpc="1">
+            <a:prstTxWarp prst="textNoShape">
+              <a:avLst/>
+            </a:prstTxWarp>
+            <a:spAutoFit/>
+          </a:bodyPr>
+          <a:lstStyle/>
+          <a:p>
+            <a:pPr algn="ctr"/>
+            <a:r>
+              <a:rPr lang="en-US" sz="1100" b="1" dirty="0">
+                <a:solidFill>
+                  <a:schemeClr val="accent2"/>
+                </a:solidFill>
+              </a:rPr>
+              <a:t>Automation code </a:t>
+            </a:r>
+          </a:p>
+          <a:p>
+            <a:pPr algn="ctr"/>
+            <a:r>
+              <a:rPr lang="en-US" sz="1100" b="1" dirty="0">
+                <a:solidFill>
+                  <a:schemeClr val="accent2"/>
+                </a:solidFill>
+              </a:rPr>
+              <a:t>(Bangalore Dev VM/Laptop) </a:t>
+            </a:r>
+          </a:p>
+          <a:p>
+            <a:pPr marL="171450" indent="-171450">
+              <a:buFont typeface="Arial" panose="020B0604020202020204" pitchFamily="34" charset="0"/>
+              <a:buChar char="•"/>
+            </a:pPr>
+            <a:r>
+              <a:rPr lang="en-US" sz="900" dirty="0" err="1"/>
+              <a:t>Intellij</a:t>
+            </a:r>
+            <a:endParaRPr lang="en-US" sz="900" dirty="0"/>
+          </a:p>
+          <a:p>
+            <a:pPr marL="171450" indent="-171450">
+              <a:buFont typeface="Arial" panose="020B0604020202020204" pitchFamily="34" charset="0"/>
+              <a:buChar char="•"/>
+            </a:pPr>
+            <a:r>
+              <a:rPr lang="en-US" sz="900" dirty="0"/>
+              <a:t>MVN</a:t>
+            </a:r>
+          </a:p>
+          <a:p>
+            <a:pPr marL="171450" indent="-171450">
+              <a:buFont typeface="Arial" panose="020B0604020202020204" pitchFamily="34" charset="0"/>
+              <a:buChar char="•"/>
+            </a:pPr>
+            <a:r>
+              <a:rPr lang="en-US" sz="900" dirty="0" err="1"/>
+              <a:t>Git</a:t>
+            </a:r>
+            <a:r>
+              <a:rPr lang="en-US" sz="900" dirty="0"/>
+              <a:t> Client</a:t>
+            </a:r>
+          </a:p>
+          <a:p>
+            <a:pPr marL="171450" indent="-171450">
+              <a:buFont typeface="Arial" panose="020B0604020202020204" pitchFamily="34" charset="0"/>
+              <a:buChar char="•"/>
+            </a:pPr>
+            <a:r>
+              <a:rPr lang="en-US" sz="900" dirty="0"/>
+              <a:t>JDK 1.8.x</a:t>
+            </a:r>
+          </a:p>
+          <a:p>
+            <a:pPr marL="171450" indent="-171450">
+              <a:buFont typeface="Arial" panose="020B0604020202020204" pitchFamily="34" charset="0"/>
+              <a:buChar char="•"/>
+            </a:pPr>
+            <a:r>
+              <a:rPr lang="en-US" sz="900" dirty="0"/>
+              <a:t>MS Excel</a:t>
+            </a:r>
+          </a:p>
+          <a:p>
+            <a:pPr marL="171450" indent="-171450">
+              <a:buFont typeface="Arial" panose="020B0604020202020204" pitchFamily="34" charset="0"/>
+              <a:buChar char="•"/>
+            </a:pPr>
+            <a:r>
+              <a:rPr lang="en-US" sz="900" dirty="0"/>
+              <a:t>Browser( Chrome/Firefox/IE)</a:t>
+            </a:r>
+          </a:p>
+          <a:p>
+            <a:pPr marL="171450" indent="-171450">
+              <a:buFont typeface="Arial" panose="020B0604020202020204" pitchFamily="34" charset="0"/>
+              <a:buChar char="•"/>
+            </a:pPr>
+            <a:r>
+              <a:rPr lang="en-US" sz="900" dirty="0"/>
+              <a:t>Selenium/Java/Apache POI</a:t>
+            </a:r>
+            <a:endParaRPr lang="en-US" sz="1400" dirty="0">
+              <a:solidFill>
+                <a:schemeClr val="accent2"/>
+              </a:solidFill>
+            </a:endParaRPr>
+          </a:p>
+        </p:txBody>
+      </p:sp>
+      <p:sp>
+        <p:nvSpPr>
+          <p:cNvPr id="8" name="Rectangle 7"/>
+          <p:cNvSpPr/>
+          <p:nvPr/>
+        </p:nvSpPr>
+        <p:spPr>
+          <a:xfrm>
+            <a:off x="605484" y="3096484"/>
+            <a:ext cx="2217007" cy="1107996"/>
+          </a:xfrm>
+          <a:prstGeom prst="rect">
+            <a:avLst/>
+          </a:prstGeom>
+          <a:ln w="12700"/>
+        </p:spPr>
+        <p:style>
+          <a:lnRef idx="2">
+            <a:schemeClr val="accent2"/>
+          </a:lnRef>
+          <a:fillRef idx="1">
+            <a:schemeClr val="lt1"/>
+          </a:fillRef>
+          <a:effectRef idx="0">
+            <a:schemeClr val="accent2"/>
+          </a:effectRef>
+          <a:fontRef idx="minor">
+            <a:schemeClr val="dk1"/>
+          </a:fontRef>
+        </p:style>
+        <p:txBody>
+          <a:bodyPr rot="0" spcFirstLastPara="0" vertOverflow="overflow" horzOverflow="overflow" vert="horz" wrap="square" lIns="91440" tIns="45720" rIns="91440" bIns="45720" numCol="1" spcCol="0" rtlCol="0" fromWordArt="0" anchor="ctr" anchorCtr="0" forceAA="0" compatLnSpc="1">
+            <a:prstTxWarp prst="textNoShape">
+              <a:avLst/>
+            </a:prstTxWarp>
+            <a:spAutoFit/>
+          </a:bodyPr>
+          <a:lstStyle/>
+          <a:p>
+            <a:pPr algn="ctr"/>
+            <a:r>
+              <a:rPr lang="en-US" sz="1100" b="1" dirty="0">
+                <a:solidFill>
+                  <a:schemeClr val="accent2"/>
+                </a:solidFill>
+              </a:rPr>
+              <a:t>C</a:t>
+            </a:r>
+            <a:r>
+              <a:rPr lang="en-US" sz="1100" b="1">
+                <a:solidFill>
+                  <a:schemeClr val="accent2"/>
+                </a:solidFill>
+              </a:rPr>
+              <a:t>#/.NET </a:t>
+            </a:r>
+            <a:r>
+              <a:rPr lang="en-US" sz="1100" b="1" dirty="0">
+                <a:solidFill>
+                  <a:schemeClr val="accent2"/>
+                </a:solidFill>
+              </a:rPr>
+              <a:t>Code Base of OPC</a:t>
+            </a:r>
+          </a:p>
+          <a:p>
+            <a:pPr algn="ctr"/>
+            <a:r>
+              <a:rPr lang="en-US" sz="1100" b="1" dirty="0">
+                <a:solidFill>
+                  <a:schemeClr val="accent2"/>
+                </a:solidFill>
+              </a:rPr>
+              <a:t>(Bangalore Dev VM/Laptop) </a:t>
+            </a:r>
+          </a:p>
+          <a:p>
+            <a:pPr marL="285750" indent="-285750">
+              <a:buFont typeface="Arial" panose="020B0604020202020204" pitchFamily="34" charset="0"/>
+              <a:buChar char="•"/>
+            </a:pPr>
+            <a:r>
+              <a:rPr lang="en-US" sz="1000" dirty="0"/>
+              <a:t>Visual Studio</a:t>
+            </a:r>
+          </a:p>
+          <a:p>
+            <a:pPr marL="285750" indent="-285750">
+              <a:buFont typeface="Arial" panose="020B0604020202020204" pitchFamily="34" charset="0"/>
+              <a:buChar char="•"/>
+            </a:pPr>
+            <a:r>
+              <a:rPr lang="en-US" sz="1000" dirty="0"/>
+              <a:t>Browser( Chrome/Firefox/IE)</a:t>
+            </a:r>
+          </a:p>
+          <a:p>
+            <a:pPr marL="285750" indent="-285750">
+              <a:buFont typeface="Arial" panose="020B0604020202020204" pitchFamily="34" charset="0"/>
+              <a:buChar char="•"/>
+            </a:pPr>
+            <a:r>
+              <a:rPr lang="en-US" sz="1000" dirty="0" err="1"/>
+              <a:t>.net</a:t>
+            </a:r>
+            <a:endParaRPr lang="en-US" sz="1000" dirty="0"/>
+          </a:p>
+          <a:p>
+            <a:pPr marL="285750" indent="-285750">
+              <a:buFont typeface="Arial" panose="020B0604020202020204" pitchFamily="34" charset="0"/>
+              <a:buChar char="•"/>
+            </a:pPr>
+            <a:r>
+              <a:rPr lang="en-US" sz="1000" dirty="0" err="1"/>
+              <a:t>Git</a:t>
+            </a:r>
+            <a:r>
+              <a:rPr lang="en-US" sz="1400" dirty="0"/>
+              <a:t> </a:t>
+            </a:r>
+            <a:r>
+              <a:rPr lang="en-US" sz="1000" dirty="0"/>
+              <a:t>Client</a:t>
+            </a:r>
+          </a:p>
+        </p:txBody>
+      </p:sp>
+      <p:cxnSp>
+        <p:nvCxnSpPr>
+          <p:cNvPr id="9" name="Straight Arrow Connector 8"/>
+          <p:cNvCxnSpPr>
+            <a:cxnSpLocks/>
+            <a:endCxn id="7" idx="2"/>
+          </p:cNvCxnSpPr>
+          <p:nvPr/>
+        </p:nvCxnSpPr>
+        <p:spPr>
+          <a:xfrm flipH="1" flipV="1">
+            <a:off x="3970638" y="4365142"/>
+            <a:ext cx="148282" cy="1853086"/>
+          </a:xfrm>
+          <a:prstGeom prst="straightConnector1">
+            <a:avLst/>
+          </a:prstGeom>
+          <a:ln w="12700" cmpd="sng">
+            <a:solidFill>
+              <a:schemeClr val="bg1">
+                <a:lumMod val="50000"/>
+              </a:schemeClr>
+            </a:solidFill>
+            <a:headEnd type="triangle" w="med" len="med"/>
+            <a:tailEnd type="triangle" w="med" len="med"/>
+          </a:ln>
+          <a:effectLst/>
+        </p:spPr>
+        <p:style>
+          <a:lnRef idx="2">
+            <a:schemeClr val="accent1"/>
+          </a:lnRef>
+          <a:fillRef idx="0">
+            <a:schemeClr val="accent1"/>
+          </a:fillRef>
+          <a:effectRef idx="1">
+            <a:schemeClr val="accent1"/>
+          </a:effectRef>
+          <a:fontRef idx="minor">
+            <a:schemeClr val="tx1"/>
+          </a:fontRef>
+        </p:style>
+      </p:cxnSp>
+      <p:cxnSp>
+        <p:nvCxnSpPr>
+          <p:cNvPr id="10" name="Straight Arrow Connector 9"/>
+          <p:cNvCxnSpPr/>
+          <p:nvPr/>
+        </p:nvCxnSpPr>
+        <p:spPr>
+          <a:xfrm flipH="1" flipV="1">
+            <a:off x="1550276" y="4211378"/>
+            <a:ext cx="267213" cy="2024703"/>
+          </a:xfrm>
+          <a:prstGeom prst="straightConnector1">
+            <a:avLst/>
+          </a:prstGeom>
+          <a:ln w="12700" cmpd="sng">
+            <a:solidFill>
+              <a:schemeClr val="bg1">
+                <a:lumMod val="50000"/>
+              </a:schemeClr>
+            </a:solidFill>
+            <a:headEnd type="none" w="med" len="med"/>
+            <a:tailEnd type="triangle" w="med" len="med"/>
+          </a:ln>
+          <a:effectLst/>
+        </p:spPr>
+        <p:style>
+          <a:lnRef idx="2">
+            <a:schemeClr val="accent1"/>
+          </a:lnRef>
+          <a:fillRef idx="0">
+            <a:schemeClr val="accent1"/>
+          </a:fillRef>
+          <a:effectRef idx="1">
+            <a:schemeClr val="accent1"/>
+          </a:effectRef>
+          <a:fontRef idx="minor">
+            <a:schemeClr val="tx1"/>
+          </a:fontRef>
+        </p:style>
+      </p:cxnSp>
+      <p:sp>
+        <p:nvSpPr>
+          <p:cNvPr id="12" name="TextBox 11"/>
+          <p:cNvSpPr txBox="1"/>
+          <p:nvPr/>
+        </p:nvSpPr>
+        <p:spPr>
+          <a:xfrm>
+            <a:off x="6038335" y="5277624"/>
+            <a:ext cx="1165704" cy="369332"/>
+          </a:xfrm>
+          <a:prstGeom prst="rect">
+            <a:avLst/>
+          </a:prstGeom>
+          <a:noFill/>
+        </p:spPr>
+        <p:txBody>
+          <a:bodyPr wrap="none" rtlCol="0">
+            <a:spAutoFit/>
+          </a:bodyPr>
+          <a:lstStyle/>
+          <a:p>
+            <a:r>
+              <a:rPr lang="en-US" sz="900" dirty="0"/>
+              <a:t>Reports Generated</a:t>
+            </a:r>
+          </a:p>
+          <a:p>
+            <a:r>
+              <a:rPr lang="en-US" sz="900" dirty="0"/>
+              <a:t>( Part of build )</a:t>
+            </a:r>
+          </a:p>
+        </p:txBody>
+      </p:sp>
+      <p:sp>
+        <p:nvSpPr>
+          <p:cNvPr id="13" name="TextBox 12"/>
+          <p:cNvSpPr txBox="1"/>
+          <p:nvPr/>
+        </p:nvSpPr>
+        <p:spPr>
+          <a:xfrm>
+            <a:off x="7261441" y="5270473"/>
+            <a:ext cx="1146468" cy="400110"/>
+          </a:xfrm>
+          <a:prstGeom prst="rect">
+            <a:avLst/>
+          </a:prstGeom>
+          <a:noFill/>
+        </p:spPr>
+        <p:txBody>
+          <a:bodyPr wrap="none" rtlCol="0">
+            <a:spAutoFit/>
+          </a:bodyPr>
+          <a:lstStyle/>
+          <a:p>
+            <a:r>
+              <a:rPr lang="en-US" sz="1000" dirty="0"/>
+              <a:t>Mail on Failure</a:t>
+            </a:r>
+          </a:p>
+          <a:p>
+            <a:r>
+              <a:rPr lang="en-US" sz="1000" dirty="0"/>
+              <a:t>(Within </a:t>
+            </a:r>
+            <a:r>
+              <a:rPr lang="en-US" sz="1000" dirty="0" err="1"/>
+              <a:t>pom</a:t>
+            </a:r>
+            <a:r>
+              <a:rPr lang="en-US" sz="1000" dirty="0"/>
+              <a:t> xml)</a:t>
+            </a:r>
+          </a:p>
+        </p:txBody>
+      </p:sp>
+      <p:cxnSp>
+        <p:nvCxnSpPr>
+          <p:cNvPr id="15" name="Straight Arrow Connector 14"/>
+          <p:cNvCxnSpPr>
+            <a:stCxn id="4" idx="2"/>
+            <a:endCxn id="12" idx="0"/>
+          </p:cNvCxnSpPr>
+          <p:nvPr/>
+        </p:nvCxnSpPr>
+        <p:spPr>
+          <a:xfrm flipH="1">
+            <a:off x="6621187" y="4269656"/>
+            <a:ext cx="499905" cy="1007968"/>
+          </a:xfrm>
+          <a:prstGeom prst="straightConnector1">
+            <a:avLst/>
+          </a:prstGeom>
+          <a:ln w="12700" cmpd="sng">
+            <a:solidFill>
+              <a:schemeClr val="bg1">
+                <a:lumMod val="50000"/>
+              </a:schemeClr>
+            </a:solidFill>
+            <a:tailEnd type="triangle"/>
+          </a:ln>
+          <a:effectLst/>
+        </p:spPr>
+        <p:style>
+          <a:lnRef idx="2">
+            <a:schemeClr val="accent1"/>
+          </a:lnRef>
+          <a:fillRef idx="0">
+            <a:schemeClr val="accent1"/>
+          </a:fillRef>
+          <a:effectRef idx="1">
+            <a:schemeClr val="accent1"/>
+          </a:effectRef>
+          <a:fontRef idx="minor">
+            <a:schemeClr val="tx1"/>
+          </a:fontRef>
+        </p:style>
+      </p:cxnSp>
+      <p:cxnSp>
+        <p:nvCxnSpPr>
+          <p:cNvPr id="17" name="Straight Arrow Connector 16"/>
+          <p:cNvCxnSpPr/>
+          <p:nvPr/>
+        </p:nvCxnSpPr>
+        <p:spPr>
+          <a:xfrm>
+            <a:off x="7121092" y="4277894"/>
+            <a:ext cx="478673" cy="992579"/>
+          </a:xfrm>
+          <a:prstGeom prst="straightConnector1">
+            <a:avLst/>
+          </a:prstGeom>
+          <a:ln w="12700" cmpd="sng">
+            <a:solidFill>
+              <a:schemeClr val="bg1">
+                <a:lumMod val="50000"/>
+              </a:schemeClr>
+            </a:solidFill>
+            <a:tailEnd type="triangle"/>
+          </a:ln>
+          <a:effectLst/>
+        </p:spPr>
+        <p:style>
+          <a:lnRef idx="2">
+            <a:schemeClr val="accent1"/>
+          </a:lnRef>
+          <a:fillRef idx="0">
+            <a:schemeClr val="accent1"/>
+          </a:fillRef>
+          <a:effectRef idx="1">
+            <a:schemeClr val="accent1"/>
+          </a:effectRef>
+          <a:fontRef idx="minor">
+            <a:schemeClr val="tx1"/>
+          </a:fontRef>
+        </p:style>
+      </p:cxnSp>
+      <p:sp>
+        <p:nvSpPr>
+          <p:cNvPr id="18" name="TextBox 17"/>
+          <p:cNvSpPr txBox="1"/>
+          <p:nvPr/>
+        </p:nvSpPr>
+        <p:spPr>
+          <a:xfrm>
+            <a:off x="457652" y="1286415"/>
+            <a:ext cx="6696513" cy="1015663"/>
+          </a:xfrm>
+          <a:prstGeom prst="rect">
+            <a:avLst/>
+          </a:prstGeom>
+          <a:noFill/>
+        </p:spPr>
+        <p:txBody>
+          <a:bodyPr wrap="none" rtlCol="0">
+            <a:spAutoFit/>
+          </a:bodyPr>
+          <a:lstStyle/>
+          <a:p>
+            <a:r>
+              <a:rPr lang="en-US" sz="1200" b="1" u="sng" dirty="0"/>
+              <a:t>Overview </a:t>
+            </a:r>
+          </a:p>
+          <a:p>
+            <a:pPr marL="171450" indent="-171450">
+              <a:buFont typeface="Arial" panose="020B0604020202020204" pitchFamily="34" charset="0"/>
+              <a:buChar char="•"/>
+            </a:pPr>
+            <a:r>
+              <a:rPr lang="en-US" sz="1200" dirty="0"/>
+              <a:t>Open source tools with free distribution </a:t>
+            </a:r>
+          </a:p>
+          <a:p>
+            <a:pPr marL="171450" indent="-171450">
+              <a:buFont typeface="Arial" panose="020B0604020202020204" pitchFamily="34" charset="0"/>
+              <a:buChar char="•"/>
+            </a:pPr>
+            <a:r>
+              <a:rPr lang="en-US" sz="1200" dirty="0"/>
+              <a:t>Base code framework is a layer on top of selenium to simplify automation effort ( Reusability )</a:t>
+            </a:r>
+          </a:p>
+          <a:p>
+            <a:pPr marL="171450" indent="-171450">
+              <a:buFont typeface="Arial" panose="020B0604020202020204" pitchFamily="34" charset="0"/>
+              <a:buChar char="•"/>
+            </a:pPr>
+            <a:r>
+              <a:rPr lang="en-US" sz="1200" dirty="0"/>
+              <a:t>Base code could be used for any Web UI automation (Extendibility) </a:t>
+            </a:r>
+          </a:p>
+          <a:p>
+            <a:pPr marL="171450" indent="-171450">
+              <a:buFont typeface="Arial" panose="020B0604020202020204" pitchFamily="34" charset="0"/>
+              <a:buChar char="•"/>
+            </a:pPr>
+            <a:r>
+              <a:rPr lang="en-US" sz="1200" dirty="0"/>
+              <a:t>Can be enabled with minimal coding  skill</a:t>
+            </a:r>
+          </a:p>
+        </p:txBody>
+      </p:sp>
     </p:spTree>
     <p:extLst>
       <p:ext uri="{BB962C8B-B14F-4D97-AF65-F5344CB8AC3E}">
-        <p14:creationId xmlns:p14="http://schemas.microsoft.com/office/powerpoint/2010/main" val="3297638457"/>
+        <p14:creationId xmlns:p14="http://schemas.microsoft.com/office/powerpoint/2010/main" val="261097722"/>
       </p:ext>
     </p:extLst>
   </p:cSld>
@@ -4686,90 +5582,6 @@
           <a:p>
             <a:r>
               <a:rPr lang="en-US" dirty="0"/>
-              <a:t>Test case Class Design layout</a:t>
-            </a:r>
-          </a:p>
-        </p:txBody>
-      </p:sp>
-      <p:pic>
-        <p:nvPicPr>
-          <p:cNvPr id="5" name="Picture 4">
-            <a:extLst>
-              <a:ext uri="{FF2B5EF4-FFF2-40B4-BE49-F238E27FC236}">
-                <a16:creationId xmlns:a16="http://schemas.microsoft.com/office/drawing/2014/main" xmlns="" id="{B41798B5-7325-4150-8F6C-634B779C2015}"/>
-              </a:ext>
-            </a:extLst>
-          </p:cNvPr>
-          <p:cNvPicPr>
-            <a:picLocks noChangeAspect="1"/>
-          </p:cNvPicPr>
-          <p:nvPr/>
-        </p:nvPicPr>
-        <p:blipFill>
-          <a:blip r:embed="rId2"/>
-          <a:stretch>
-            <a:fillRect/>
-          </a:stretch>
-        </p:blipFill>
-        <p:spPr>
-          <a:xfrm>
-            <a:off x="941074" y="1073522"/>
-            <a:ext cx="6826611" cy="4943173"/>
-          </a:xfrm>
-          <a:prstGeom prst="rect">
-            <a:avLst/>
-          </a:prstGeom>
-        </p:spPr>
-      </p:pic>
-    </p:spTree>
-    <p:extLst>
-      <p:ext uri="{BB962C8B-B14F-4D97-AF65-F5344CB8AC3E}">
-        <p14:creationId xmlns:p14="http://schemas.microsoft.com/office/powerpoint/2010/main" val="3534890542"/>
-      </p:ext>
-    </p:extLst>
-  </p:cSld>
-  <p:clrMapOvr>
-    <a:masterClrMapping/>
-  </p:clrMapOvr>
-</p:sld>
-</file>
-
-<file path=ppt/slides/slide11.xml><?xml version="1.0" encoding="utf-8"?>
-<p:sld xmlns:a="http://schemas.openxmlformats.org/drawingml/2006/main" xmlns:r="http://schemas.openxmlformats.org/officeDocument/2006/relationships" xmlns:p="http://schemas.openxmlformats.org/presentationml/2006/main">
-  <p:cSld>
-    <p:spTree>
-      <p:nvGrpSpPr>
-        <p:cNvPr id="1" name=""/>
-        <p:cNvGrpSpPr/>
-        <p:nvPr/>
-      </p:nvGrpSpPr>
-      <p:grpSpPr>
-        <a:xfrm>
-          <a:off x="0" y="0"/>
-          <a:ext cx="0" cy="0"/>
-          <a:chOff x="0" y="0"/>
-          <a:chExt cx="0" cy="0"/>
-        </a:xfrm>
-      </p:grpSpPr>
-      <p:sp>
-        <p:nvSpPr>
-          <p:cNvPr id="2" name="Title 1"/>
-          <p:cNvSpPr>
-            <a:spLocks noGrp="1"/>
-          </p:cNvSpPr>
-          <p:nvPr>
-            <p:ph type="title"/>
-          </p:nvPr>
-        </p:nvSpPr>
-        <p:spPr/>
-        <p:txBody>
-          <a:bodyPr>
-            <a:normAutofit fontScale="90000"/>
-          </a:bodyPr>
-          <a:lstStyle/>
-          <a:p>
-            <a:r>
-              <a:rPr lang="en-US" dirty="0"/>
               <a:t>Implemented Test Cases</a:t>
             </a:r>
           </a:p>
@@ -4883,7 +5695,7 @@
               <a:pPr>
                 <a:defRPr/>
               </a:pPr>
-              <a:t>10</a:t>
+              <a:t>9</a:t>
             </a:fld>
             <a:endParaRPr lang="en-US" dirty="0"/>
           </a:p>
@@ -4938,919 +5750,178 @@
           <a:p>
             <a:r>
               <a:rPr lang="en-US" dirty="0"/>
-              <a:t>UI Automation Overview and Environment</a:t>
-            </a:r>
-          </a:p>
-        </p:txBody>
-      </p:sp>
-      <p:sp>
-        <p:nvSpPr>
-          <p:cNvPr id="3" name="Rectangle 2"/>
-          <p:cNvSpPr/>
-          <p:nvPr/>
-        </p:nvSpPr>
-        <p:spPr>
-          <a:xfrm>
-            <a:off x="988541" y="6198403"/>
-            <a:ext cx="4610981" cy="369332"/>
-          </a:xfrm>
-          <a:prstGeom prst="rect">
-            <a:avLst/>
-          </a:prstGeom>
-          <a:ln w="12700"/>
-        </p:spPr>
-        <p:style>
-          <a:lnRef idx="2">
-            <a:schemeClr val="accent2"/>
-          </a:lnRef>
-          <a:fillRef idx="1">
-            <a:schemeClr val="lt1"/>
-          </a:fillRef>
-          <a:effectRef idx="0">
-            <a:schemeClr val="accent2"/>
-          </a:effectRef>
-          <a:fontRef idx="minor">
-            <a:schemeClr val="dk1"/>
-          </a:fontRef>
-        </p:style>
-        <p:txBody>
-          <a:bodyPr rot="0" spcFirstLastPara="0" vertOverflow="overflow" horzOverflow="overflow" vert="horz" wrap="square" lIns="91440" tIns="45720" rIns="91440" bIns="45720" numCol="1" spcCol="0" rtlCol="0" fromWordArt="0" anchor="ctr" anchorCtr="0" forceAA="0" compatLnSpc="1">
-            <a:prstTxWarp prst="textNoShape">
-              <a:avLst/>
-            </a:prstTxWarp>
-            <a:spAutoFit/>
-          </a:bodyPr>
-          <a:lstStyle/>
-          <a:p>
-            <a:pPr algn="ctr"/>
-            <a:r>
-              <a:rPr lang="en-US" dirty="0" err="1">
-                <a:solidFill>
-                  <a:schemeClr val="accent2"/>
-                </a:solidFill>
-              </a:rPr>
-              <a:t>bitbucket</a:t>
-            </a:r>
-            <a:endParaRPr lang="en-US" dirty="0">
-              <a:solidFill>
-                <a:schemeClr val="accent2"/>
-              </a:solidFill>
-            </a:endParaRPr>
-          </a:p>
-        </p:txBody>
-      </p:sp>
-      <p:sp>
-        <p:nvSpPr>
-          <p:cNvPr id="4" name="Rectangle 3"/>
-          <p:cNvSpPr/>
-          <p:nvPr/>
-        </p:nvSpPr>
-        <p:spPr>
-          <a:xfrm>
-            <a:off x="6128432" y="3146272"/>
-            <a:ext cx="1985319" cy="1123384"/>
-          </a:xfrm>
-          <a:prstGeom prst="rect">
-            <a:avLst/>
-          </a:prstGeom>
-          <a:ln w="12700"/>
-        </p:spPr>
-        <p:style>
-          <a:lnRef idx="2">
-            <a:schemeClr val="accent2"/>
-          </a:lnRef>
-          <a:fillRef idx="1">
-            <a:schemeClr val="lt1"/>
-          </a:fillRef>
-          <a:effectRef idx="0">
-            <a:schemeClr val="accent2"/>
-          </a:effectRef>
-          <a:fontRef idx="minor">
-            <a:schemeClr val="dk1"/>
-          </a:fontRef>
-        </p:style>
-        <p:txBody>
-          <a:bodyPr rot="0" spcFirstLastPara="0" vertOverflow="overflow" horzOverflow="overflow" vert="horz" wrap="square" lIns="91440" tIns="45720" rIns="91440" bIns="45720" numCol="1" spcCol="0" rtlCol="0" fromWordArt="0" anchor="ctr" anchorCtr="0" forceAA="0" compatLnSpc="1">
-            <a:prstTxWarp prst="textNoShape">
-              <a:avLst/>
-            </a:prstTxWarp>
-            <a:spAutoFit/>
-          </a:bodyPr>
-          <a:lstStyle/>
-          <a:p>
-            <a:pPr algn="ctr"/>
-            <a:r>
-              <a:rPr lang="en-US" sz="1100" b="1" dirty="0">
-                <a:solidFill>
-                  <a:schemeClr val="accent2"/>
-                </a:solidFill>
-              </a:rPr>
-              <a:t>Automation Execution </a:t>
-            </a:r>
-            <a:r>
-              <a:rPr lang="en-US" sz="1100" b="1" dirty="0" err="1">
-                <a:solidFill>
-                  <a:schemeClr val="accent2"/>
-                </a:solidFill>
-              </a:rPr>
-              <a:t>Env</a:t>
-            </a:r>
-            <a:endParaRPr lang="en-US" sz="1100" b="1" dirty="0">
-              <a:solidFill>
-                <a:schemeClr val="accent2"/>
-              </a:solidFill>
-            </a:endParaRPr>
-          </a:p>
-          <a:p>
-            <a:pPr algn="ctr"/>
-            <a:r>
-              <a:rPr lang="en-US" sz="1100" b="1" dirty="0">
-                <a:solidFill>
-                  <a:schemeClr val="accent2"/>
-                </a:solidFill>
-              </a:rPr>
-              <a:t>(Cloud Lab VM)</a:t>
-            </a:r>
-          </a:p>
-          <a:p>
-            <a:pPr marL="171450" indent="-171450">
-              <a:buFont typeface="Arial" panose="020B0604020202020204" pitchFamily="34" charset="0"/>
-              <a:buChar char="•"/>
+              <a:t>DEMO</a:t>
+            </a:r>
+          </a:p>
+        </p:txBody>
+      </p:sp>
+      <p:sp>
+        <p:nvSpPr>
+          <p:cNvPr id="3" name="Content Placeholder 2"/>
+          <p:cNvSpPr>
+            <a:spLocks noGrp="1"/>
+          </p:cNvSpPr>
+          <p:nvPr>
+            <p:ph sz="quarter" idx="12"/>
+          </p:nvPr>
+        </p:nvSpPr>
+        <p:spPr/>
+        <p:txBody>
+          <a:bodyPr/>
+          <a:lstStyle/>
+          <a:p>
+            <a:endParaRPr lang="en-US" dirty="0"/>
+          </a:p>
+          <a:p>
+            <a:endParaRPr lang="en-US" dirty="0"/>
+          </a:p>
+          <a:p>
+            <a:endParaRPr lang="en-US" dirty="0"/>
+          </a:p>
+          <a:p>
+            <a:endParaRPr lang="en-US" dirty="0"/>
+          </a:p>
+          <a:p>
+            <a:pPr marL="1371600" lvl="3" indent="0">
+              <a:buNone/>
             </a:pPr>
-            <a:r>
-              <a:rPr lang="en-US" sz="900" dirty="0"/>
-              <a:t>MVN</a:t>
-            </a:r>
-          </a:p>
-          <a:p>
-            <a:pPr marL="171450" indent="-171450">
-              <a:buFont typeface="Arial" panose="020B0604020202020204" pitchFamily="34" charset="0"/>
-              <a:buChar char="•"/>
+            <a:endParaRPr lang="en-US" dirty="0"/>
+          </a:p>
+          <a:p>
+            <a:pPr marL="1371600" lvl="3" indent="0">
+              <a:buNone/>
             </a:pPr>
-            <a:r>
-              <a:rPr lang="en-US" sz="900" dirty="0" err="1"/>
-              <a:t>Git</a:t>
-            </a:r>
-            <a:r>
-              <a:rPr lang="en-US" sz="900" dirty="0"/>
-              <a:t> Client</a:t>
-            </a:r>
-          </a:p>
-          <a:p>
-            <a:pPr marL="171450" indent="-171450">
-              <a:buFont typeface="Arial" panose="020B0604020202020204" pitchFamily="34" charset="0"/>
-              <a:buChar char="•"/>
+            <a:endParaRPr lang="en-US" dirty="0"/>
+          </a:p>
+          <a:p>
+            <a:pPr marL="1371600" lvl="3" indent="0">
+              <a:buNone/>
             </a:pPr>
             <a:r>
-              <a:rPr lang="en-US" sz="900" dirty="0"/>
-              <a:t>JDK 1.8.x</a:t>
-            </a:r>
-          </a:p>
-          <a:p>
-            <a:pPr marL="171450" indent="-171450">
-              <a:buFont typeface="Arial" panose="020B0604020202020204" pitchFamily="34" charset="0"/>
-              <a:buChar char="•"/>
+              <a:rPr lang="en-US" sz="2800" dirty="0"/>
+              <a:t>Demo</a:t>
+            </a:r>
+          </a:p>
+        </p:txBody>
+      </p:sp>
+      <p:sp>
+        <p:nvSpPr>
+          <p:cNvPr id="4" name="Content Placeholder 3"/>
+          <p:cNvSpPr>
+            <a:spLocks noGrp="1"/>
+          </p:cNvSpPr>
+          <p:nvPr>
+            <p:ph sz="quarter" idx="15"/>
+          </p:nvPr>
+        </p:nvSpPr>
+        <p:spPr/>
+        <p:txBody>
+          <a:bodyPr/>
+          <a:lstStyle/>
+          <a:p>
+            <a:r>
+              <a:rPr lang="en-US" sz="1400" dirty="0"/>
+              <a:t>Steps to run test</a:t>
+            </a:r>
+          </a:p>
+          <a:p>
+            <a:pPr lvl="1"/>
+            <a:r>
+              <a:rPr lang="en-US" sz="1200" dirty="0"/>
+              <a:t>Login to cloud lab VM </a:t>
+            </a:r>
+          </a:p>
+          <a:p>
+            <a:pPr lvl="1"/>
+            <a:r>
+              <a:rPr lang="en-US" sz="1200" dirty="0" smtClean="0"/>
+              <a:t>running </a:t>
+            </a:r>
+            <a:r>
+              <a:rPr lang="en-US" sz="1200" dirty="0"/>
+              <a:t>as service</a:t>
+            </a:r>
+          </a:p>
+          <a:p>
+            <a:pPr lvl="2"/>
+            <a:r>
+              <a:rPr lang="en-US" sz="1000" dirty="0"/>
+              <a:t>On restart of machine (validate the same) </a:t>
+            </a:r>
+          </a:p>
+          <a:p>
+            <a:pPr lvl="1"/>
+            <a:r>
+              <a:rPr lang="en-US" sz="1200" dirty="0"/>
+              <a:t>Open a command prompt</a:t>
+            </a:r>
+          </a:p>
+          <a:p>
+            <a:pPr lvl="1"/>
+            <a:r>
+              <a:rPr lang="en-US" sz="1200" dirty="0"/>
+              <a:t>&gt;cd </a:t>
+            </a:r>
+            <a:r>
+              <a:rPr lang="en-US" sz="1200" dirty="0" smtClean="0"/>
+              <a:t>Automation</a:t>
+            </a:r>
+            <a:r>
+              <a:rPr lang="en-US" sz="1200" dirty="0"/>
+              <a:t>	</a:t>
+            </a:r>
+          </a:p>
+          <a:p>
+            <a:pPr lvl="1"/>
+            <a:r>
+              <a:rPr lang="en-US" sz="1200" dirty="0"/>
+              <a:t>&gt;</a:t>
+            </a:r>
+            <a:r>
+              <a:rPr lang="en-US" sz="1200" dirty="0" smtClean="0"/>
+              <a:t>run*.</a:t>
+            </a:r>
+            <a:r>
+              <a:rPr lang="en-US" sz="1200" dirty="0"/>
+              <a:t>bat </a:t>
+            </a:r>
+          </a:p>
+          <a:p>
+            <a:endParaRPr lang="en-US" sz="1400" dirty="0"/>
+          </a:p>
+          <a:p>
+            <a:pPr marL="0" indent="0">
+              <a:buNone/>
             </a:pPr>
-            <a:r>
-              <a:rPr lang="en-US" sz="900" dirty="0"/>
-              <a:t>Browser( Chrome/Firefox/IE)</a:t>
-            </a:r>
-          </a:p>
-          <a:p>
-            <a:pPr marL="171450" indent="-171450">
-              <a:buFont typeface="Arial" panose="020B0604020202020204" pitchFamily="34" charset="0"/>
-              <a:buChar char="•"/>
-            </a:pPr>
-            <a:r>
-              <a:rPr lang="en-US" sz="900" dirty="0" err="1">
-                <a:solidFill>
-                  <a:schemeClr val="accent2"/>
-                </a:solidFill>
-              </a:rPr>
-              <a:t>.net</a:t>
-            </a:r>
-            <a:endParaRPr lang="en-US" sz="1400" dirty="0">
-              <a:solidFill>
-                <a:schemeClr val="accent2"/>
-              </a:solidFill>
-            </a:endParaRPr>
-          </a:p>
-        </p:txBody>
-      </p:sp>
-      <p:cxnSp>
-        <p:nvCxnSpPr>
-          <p:cNvPr id="5" name="Straight Arrow Connector 4"/>
-          <p:cNvCxnSpPr>
-            <a:endCxn id="4" idx="2"/>
-          </p:cNvCxnSpPr>
-          <p:nvPr/>
-        </p:nvCxnSpPr>
-        <p:spPr>
-          <a:xfrm flipV="1">
-            <a:off x="4531839" y="4269656"/>
-            <a:ext cx="2589253" cy="1975314"/>
-          </a:xfrm>
-          <a:prstGeom prst="straightConnector1">
-            <a:avLst/>
-          </a:prstGeom>
-          <a:ln w="12700" cmpd="sng">
-            <a:solidFill>
-              <a:schemeClr val="bg1">
-                <a:lumMod val="50000"/>
-              </a:schemeClr>
-            </a:solidFill>
-            <a:headEnd type="triangle" w="med" len="med"/>
-            <a:tailEnd type="triangle" w="med" len="med"/>
-          </a:ln>
-          <a:effectLst/>
-        </p:spPr>
-        <p:style>
-          <a:lnRef idx="2">
-            <a:schemeClr val="accent1"/>
-          </a:lnRef>
-          <a:fillRef idx="0">
-            <a:schemeClr val="accent1"/>
-          </a:fillRef>
-          <a:effectRef idx="1">
-            <a:schemeClr val="accent1"/>
-          </a:effectRef>
-          <a:fontRef idx="minor">
-            <a:schemeClr val="tx1"/>
-          </a:fontRef>
-        </p:style>
-      </p:cxnSp>
-      <p:sp>
-        <p:nvSpPr>
-          <p:cNvPr id="6" name="Rectangle 5"/>
-          <p:cNvSpPr/>
-          <p:nvPr/>
-        </p:nvSpPr>
-        <p:spPr>
-          <a:xfrm>
-            <a:off x="463380" y="2815050"/>
-            <a:ext cx="4718222" cy="1754326"/>
-          </a:xfrm>
-          <a:prstGeom prst="rect">
-            <a:avLst/>
-          </a:prstGeom>
-          <a:ln w="12700"/>
-        </p:spPr>
-        <p:style>
-          <a:lnRef idx="2">
-            <a:schemeClr val="accent2"/>
-          </a:lnRef>
-          <a:fillRef idx="1">
-            <a:schemeClr val="lt1"/>
-          </a:fillRef>
-          <a:effectRef idx="0">
-            <a:schemeClr val="accent2"/>
-          </a:effectRef>
-          <a:fontRef idx="minor">
-            <a:schemeClr val="dk1"/>
-          </a:fontRef>
-        </p:style>
-        <p:txBody>
-          <a:bodyPr rot="0" spcFirstLastPara="0" vertOverflow="overflow" horzOverflow="overflow" vert="horz" wrap="square" lIns="91440" tIns="45720" rIns="91440" bIns="45720" numCol="1" spcCol="0" rtlCol="0" fromWordArt="0" anchor="ctr" anchorCtr="0" forceAA="0" compatLnSpc="1">
-            <a:prstTxWarp prst="textNoShape">
-              <a:avLst/>
-            </a:prstTxWarp>
-            <a:spAutoFit/>
-          </a:bodyPr>
-          <a:lstStyle/>
-          <a:p>
-            <a:pPr algn="ctr"/>
-            <a:endParaRPr lang="en-US" dirty="0">
-              <a:solidFill>
-                <a:schemeClr val="accent2"/>
-              </a:solidFill>
-            </a:endParaRPr>
-          </a:p>
-          <a:p>
-            <a:pPr algn="ctr"/>
-            <a:endParaRPr lang="en-US" dirty="0">
-              <a:solidFill>
-                <a:schemeClr val="accent2"/>
-              </a:solidFill>
-            </a:endParaRPr>
-          </a:p>
-          <a:p>
-            <a:pPr algn="ctr"/>
-            <a:endParaRPr lang="en-US" dirty="0">
-              <a:solidFill>
-                <a:schemeClr val="accent2"/>
-              </a:solidFill>
-            </a:endParaRPr>
-          </a:p>
-          <a:p>
-            <a:pPr algn="ctr"/>
-            <a:endParaRPr lang="en-US" dirty="0">
-              <a:solidFill>
-                <a:schemeClr val="accent2"/>
-              </a:solidFill>
-            </a:endParaRPr>
-          </a:p>
-          <a:p>
-            <a:pPr algn="ctr"/>
-            <a:endParaRPr lang="en-US" dirty="0">
-              <a:solidFill>
-                <a:schemeClr val="accent2"/>
-              </a:solidFill>
-            </a:endParaRPr>
-          </a:p>
-          <a:p>
-            <a:pPr algn="ctr"/>
-            <a:endParaRPr lang="en-US" dirty="0">
-              <a:solidFill>
-                <a:schemeClr val="accent2"/>
-              </a:solidFill>
-            </a:endParaRPr>
-          </a:p>
-        </p:txBody>
-      </p:sp>
-      <p:sp>
-        <p:nvSpPr>
-          <p:cNvPr id="7" name="Rectangle 6"/>
-          <p:cNvSpPr/>
-          <p:nvPr/>
-        </p:nvSpPr>
-        <p:spPr>
-          <a:xfrm>
-            <a:off x="2889422" y="2964759"/>
-            <a:ext cx="2162432" cy="1400383"/>
-          </a:xfrm>
-          <a:prstGeom prst="rect">
-            <a:avLst/>
-          </a:prstGeom>
-          <a:ln w="12700"/>
-        </p:spPr>
-        <p:style>
-          <a:lnRef idx="2">
-            <a:schemeClr val="accent2"/>
-          </a:lnRef>
-          <a:fillRef idx="1">
-            <a:schemeClr val="lt1"/>
-          </a:fillRef>
-          <a:effectRef idx="0">
-            <a:schemeClr val="accent2"/>
-          </a:effectRef>
-          <a:fontRef idx="minor">
-            <a:schemeClr val="dk1"/>
-          </a:fontRef>
-        </p:style>
-        <p:txBody>
-          <a:bodyPr rot="0" spcFirstLastPara="0" vertOverflow="overflow" horzOverflow="overflow" vert="horz" wrap="square" lIns="91440" tIns="45720" rIns="91440" bIns="45720" numCol="1" spcCol="0" rtlCol="0" fromWordArt="0" anchor="ctr" anchorCtr="0" forceAA="0" compatLnSpc="1">
-            <a:prstTxWarp prst="textNoShape">
-              <a:avLst/>
-            </a:prstTxWarp>
-            <a:spAutoFit/>
-          </a:bodyPr>
-          <a:lstStyle/>
-          <a:p>
-            <a:pPr algn="ctr"/>
-            <a:r>
-              <a:rPr lang="en-US" sz="1100" b="1" dirty="0">
-                <a:solidFill>
-                  <a:schemeClr val="accent2"/>
-                </a:solidFill>
-              </a:rPr>
-              <a:t>Automation code </a:t>
-            </a:r>
-          </a:p>
-          <a:p>
-            <a:pPr algn="ctr"/>
-            <a:r>
-              <a:rPr lang="en-US" sz="1100" b="1" dirty="0">
-                <a:solidFill>
-                  <a:schemeClr val="accent2"/>
-                </a:solidFill>
-              </a:rPr>
-              <a:t>(Bangalore Dev VM/Laptop) </a:t>
-            </a:r>
-          </a:p>
-          <a:p>
-            <a:pPr marL="171450" indent="-171450">
-              <a:buFont typeface="Arial" panose="020B0604020202020204" pitchFamily="34" charset="0"/>
-              <a:buChar char="•"/>
-            </a:pPr>
-            <a:r>
-              <a:rPr lang="en-US" sz="900" dirty="0" err="1"/>
-              <a:t>Intellij</a:t>
-            </a:r>
-            <a:endParaRPr lang="en-US" sz="900" dirty="0"/>
-          </a:p>
-          <a:p>
-            <a:pPr marL="171450" indent="-171450">
-              <a:buFont typeface="Arial" panose="020B0604020202020204" pitchFamily="34" charset="0"/>
-              <a:buChar char="•"/>
-            </a:pPr>
-            <a:r>
-              <a:rPr lang="en-US" sz="900" dirty="0"/>
-              <a:t>MVN</a:t>
-            </a:r>
-          </a:p>
-          <a:p>
-            <a:pPr marL="171450" indent="-171450">
-              <a:buFont typeface="Arial" panose="020B0604020202020204" pitchFamily="34" charset="0"/>
-              <a:buChar char="•"/>
-            </a:pPr>
-            <a:r>
-              <a:rPr lang="en-US" sz="900" dirty="0" err="1"/>
-              <a:t>Git</a:t>
-            </a:r>
-            <a:r>
-              <a:rPr lang="en-US" sz="900" dirty="0"/>
-              <a:t> Client</a:t>
-            </a:r>
-          </a:p>
-          <a:p>
-            <a:pPr marL="171450" indent="-171450">
-              <a:buFont typeface="Arial" panose="020B0604020202020204" pitchFamily="34" charset="0"/>
-              <a:buChar char="•"/>
-            </a:pPr>
-            <a:r>
-              <a:rPr lang="en-US" sz="900" dirty="0"/>
-              <a:t>JDK 1.8.x</a:t>
-            </a:r>
-          </a:p>
-          <a:p>
-            <a:pPr marL="171450" indent="-171450">
-              <a:buFont typeface="Arial" panose="020B0604020202020204" pitchFamily="34" charset="0"/>
-              <a:buChar char="•"/>
-            </a:pPr>
-            <a:r>
-              <a:rPr lang="en-US" sz="900" dirty="0"/>
-              <a:t>MS Excel</a:t>
-            </a:r>
-          </a:p>
-          <a:p>
-            <a:pPr marL="171450" indent="-171450">
-              <a:buFont typeface="Arial" panose="020B0604020202020204" pitchFamily="34" charset="0"/>
-              <a:buChar char="•"/>
-            </a:pPr>
-            <a:r>
-              <a:rPr lang="en-US" sz="900" dirty="0"/>
-              <a:t>Browser( Chrome/Firefox/IE)</a:t>
-            </a:r>
-          </a:p>
-          <a:p>
-            <a:pPr marL="171450" indent="-171450">
-              <a:buFont typeface="Arial" panose="020B0604020202020204" pitchFamily="34" charset="0"/>
-              <a:buChar char="•"/>
-            </a:pPr>
-            <a:r>
-              <a:rPr lang="en-US" sz="900" dirty="0"/>
-              <a:t>Selenium/Java/Apache POI</a:t>
-            </a:r>
-            <a:endParaRPr lang="en-US" sz="1400" dirty="0">
-              <a:solidFill>
-                <a:schemeClr val="accent2"/>
-              </a:solidFill>
-            </a:endParaRPr>
-          </a:p>
-        </p:txBody>
-      </p:sp>
-      <p:sp>
-        <p:nvSpPr>
-          <p:cNvPr id="8" name="Rectangle 7"/>
-          <p:cNvSpPr/>
-          <p:nvPr/>
-        </p:nvSpPr>
-        <p:spPr>
-          <a:xfrm>
-            <a:off x="605484" y="3096484"/>
-            <a:ext cx="2217007" cy="1107996"/>
-          </a:xfrm>
-          <a:prstGeom prst="rect">
-            <a:avLst/>
-          </a:prstGeom>
-          <a:ln w="12700"/>
-        </p:spPr>
-        <p:style>
-          <a:lnRef idx="2">
-            <a:schemeClr val="accent2"/>
-          </a:lnRef>
-          <a:fillRef idx="1">
-            <a:schemeClr val="lt1"/>
-          </a:fillRef>
-          <a:effectRef idx="0">
-            <a:schemeClr val="accent2"/>
-          </a:effectRef>
-          <a:fontRef idx="minor">
-            <a:schemeClr val="dk1"/>
-          </a:fontRef>
-        </p:style>
-        <p:txBody>
-          <a:bodyPr rot="0" spcFirstLastPara="0" vertOverflow="overflow" horzOverflow="overflow" vert="horz" wrap="square" lIns="91440" tIns="45720" rIns="91440" bIns="45720" numCol="1" spcCol="0" rtlCol="0" fromWordArt="0" anchor="ctr" anchorCtr="0" forceAA="0" compatLnSpc="1">
-            <a:prstTxWarp prst="textNoShape">
-              <a:avLst/>
-            </a:prstTxWarp>
-            <a:spAutoFit/>
-          </a:bodyPr>
-          <a:lstStyle/>
-          <a:p>
-            <a:pPr algn="ctr"/>
-            <a:r>
-              <a:rPr lang="en-US" sz="1100" b="1" dirty="0">
-                <a:solidFill>
-                  <a:schemeClr val="accent2"/>
-                </a:solidFill>
-              </a:rPr>
-              <a:t>C</a:t>
-            </a:r>
-            <a:r>
-              <a:rPr lang="en-US" sz="1100" b="1">
-                <a:solidFill>
-                  <a:schemeClr val="accent2"/>
-                </a:solidFill>
-              </a:rPr>
-              <a:t>#/.NET </a:t>
-            </a:r>
-            <a:r>
-              <a:rPr lang="en-US" sz="1100" b="1" dirty="0">
-                <a:solidFill>
-                  <a:schemeClr val="accent2"/>
-                </a:solidFill>
-              </a:rPr>
-              <a:t>Code Base of OPC</a:t>
-            </a:r>
-          </a:p>
-          <a:p>
-            <a:pPr algn="ctr"/>
-            <a:r>
-              <a:rPr lang="en-US" sz="1100" b="1" dirty="0">
-                <a:solidFill>
-                  <a:schemeClr val="accent2"/>
-                </a:solidFill>
-              </a:rPr>
-              <a:t>(Bangalore Dev VM/Laptop) </a:t>
-            </a:r>
-          </a:p>
-          <a:p>
-            <a:pPr marL="285750" indent="-285750">
-              <a:buFont typeface="Arial" panose="020B0604020202020204" pitchFamily="34" charset="0"/>
-              <a:buChar char="•"/>
-            </a:pPr>
-            <a:r>
-              <a:rPr lang="en-US" sz="1000" dirty="0"/>
-              <a:t>Visual Studio</a:t>
-            </a:r>
-          </a:p>
-          <a:p>
-            <a:pPr marL="285750" indent="-285750">
-              <a:buFont typeface="Arial" panose="020B0604020202020204" pitchFamily="34" charset="0"/>
-              <a:buChar char="•"/>
-            </a:pPr>
-            <a:r>
-              <a:rPr lang="en-US" sz="1000" dirty="0"/>
-              <a:t>Browser( Chrome/Firefox/IE)</a:t>
-            </a:r>
-          </a:p>
-          <a:p>
-            <a:pPr marL="285750" indent="-285750">
-              <a:buFont typeface="Arial" panose="020B0604020202020204" pitchFamily="34" charset="0"/>
-              <a:buChar char="•"/>
-            </a:pPr>
-            <a:r>
-              <a:rPr lang="en-US" sz="1000" dirty="0" err="1"/>
-              <a:t>.net</a:t>
-            </a:r>
-            <a:endParaRPr lang="en-US" sz="1000" dirty="0"/>
-          </a:p>
-          <a:p>
-            <a:pPr marL="285750" indent="-285750">
-              <a:buFont typeface="Arial" panose="020B0604020202020204" pitchFamily="34" charset="0"/>
-              <a:buChar char="•"/>
-            </a:pPr>
-            <a:r>
-              <a:rPr lang="en-US" sz="1000" dirty="0" err="1"/>
-              <a:t>Git</a:t>
-            </a:r>
+            <a:endParaRPr lang="en-US" sz="1400" dirty="0"/>
+          </a:p>
+          <a:p>
             <a:r>
               <a:rPr lang="en-US" sz="1400" dirty="0"/>
-              <a:t> </a:t>
-            </a:r>
-            <a:r>
-              <a:rPr lang="en-US" sz="1000" dirty="0"/>
-              <a:t>Client</a:t>
-            </a:r>
-          </a:p>
-        </p:txBody>
-      </p:sp>
-      <p:cxnSp>
-        <p:nvCxnSpPr>
-          <p:cNvPr id="9" name="Straight Arrow Connector 8"/>
-          <p:cNvCxnSpPr>
-            <a:cxnSpLocks/>
-            <a:endCxn id="7" idx="2"/>
-          </p:cNvCxnSpPr>
-          <p:nvPr/>
-        </p:nvCxnSpPr>
-        <p:spPr>
-          <a:xfrm flipH="1" flipV="1">
-            <a:off x="3970638" y="4365142"/>
-            <a:ext cx="148282" cy="1853086"/>
-          </a:xfrm>
-          <a:prstGeom prst="straightConnector1">
-            <a:avLst/>
-          </a:prstGeom>
-          <a:ln w="12700" cmpd="sng">
-            <a:solidFill>
-              <a:schemeClr val="bg1">
-                <a:lumMod val="50000"/>
-              </a:schemeClr>
-            </a:solidFill>
-            <a:headEnd type="triangle" w="med" len="med"/>
-            <a:tailEnd type="triangle" w="med" len="med"/>
-          </a:ln>
-          <a:effectLst/>
-        </p:spPr>
-        <p:style>
-          <a:lnRef idx="2">
-            <a:schemeClr val="accent1"/>
-          </a:lnRef>
-          <a:fillRef idx="0">
-            <a:schemeClr val="accent1"/>
-          </a:fillRef>
-          <a:effectRef idx="1">
-            <a:schemeClr val="accent1"/>
-          </a:effectRef>
-          <a:fontRef idx="minor">
-            <a:schemeClr val="tx1"/>
-          </a:fontRef>
-        </p:style>
-      </p:cxnSp>
-      <p:cxnSp>
-        <p:nvCxnSpPr>
-          <p:cNvPr id="10" name="Straight Arrow Connector 9"/>
-          <p:cNvCxnSpPr/>
-          <p:nvPr/>
-        </p:nvCxnSpPr>
-        <p:spPr>
-          <a:xfrm flipH="1" flipV="1">
-            <a:off x="1550276" y="4211378"/>
-            <a:ext cx="267213" cy="2024703"/>
-          </a:xfrm>
-          <a:prstGeom prst="straightConnector1">
-            <a:avLst/>
-          </a:prstGeom>
-          <a:ln w="12700" cmpd="sng">
-            <a:solidFill>
-              <a:schemeClr val="bg1">
-                <a:lumMod val="50000"/>
-              </a:schemeClr>
-            </a:solidFill>
-            <a:headEnd type="none" w="med" len="med"/>
-            <a:tailEnd type="triangle" w="med" len="med"/>
-          </a:ln>
-          <a:effectLst/>
-        </p:spPr>
-        <p:style>
-          <a:lnRef idx="2">
-            <a:schemeClr val="accent1"/>
-          </a:lnRef>
-          <a:fillRef idx="0">
-            <a:schemeClr val="accent1"/>
-          </a:fillRef>
-          <a:effectRef idx="1">
-            <a:schemeClr val="accent1"/>
-          </a:effectRef>
-          <a:fontRef idx="minor">
-            <a:schemeClr val="tx1"/>
-          </a:fontRef>
-        </p:style>
-      </p:cxnSp>
-      <p:sp>
-        <p:nvSpPr>
-          <p:cNvPr id="12" name="TextBox 11"/>
-          <p:cNvSpPr txBox="1"/>
-          <p:nvPr/>
-        </p:nvSpPr>
-        <p:spPr>
-          <a:xfrm>
-            <a:off x="6038335" y="5277624"/>
-            <a:ext cx="1165704" cy="369332"/>
-          </a:xfrm>
-          <a:prstGeom prst="rect">
-            <a:avLst/>
-          </a:prstGeom>
-          <a:noFill/>
-        </p:spPr>
-        <p:txBody>
-          <a:bodyPr wrap="none" rtlCol="0">
-            <a:spAutoFit/>
-          </a:bodyPr>
-          <a:lstStyle/>
-          <a:p>
-            <a:r>
-              <a:rPr lang="en-US" sz="900" dirty="0"/>
-              <a:t>Reports Generated</a:t>
-            </a:r>
-          </a:p>
-          <a:p>
-            <a:r>
-              <a:rPr lang="en-US" sz="900" dirty="0"/>
-              <a:t>( Part of build )</a:t>
-            </a:r>
-          </a:p>
-        </p:txBody>
-      </p:sp>
-      <p:sp>
-        <p:nvSpPr>
-          <p:cNvPr id="13" name="TextBox 12"/>
-          <p:cNvSpPr txBox="1"/>
-          <p:nvPr/>
-        </p:nvSpPr>
-        <p:spPr>
-          <a:xfrm>
-            <a:off x="7261441" y="5270473"/>
-            <a:ext cx="1146468" cy="400110"/>
-          </a:xfrm>
-          <a:prstGeom prst="rect">
-            <a:avLst/>
-          </a:prstGeom>
-          <a:noFill/>
-        </p:spPr>
-        <p:txBody>
-          <a:bodyPr wrap="none" rtlCol="0">
-            <a:spAutoFit/>
-          </a:bodyPr>
-          <a:lstStyle/>
-          <a:p>
-            <a:r>
-              <a:rPr lang="en-US" sz="1000" dirty="0"/>
-              <a:t>Mail on Failure</a:t>
-            </a:r>
-          </a:p>
-          <a:p>
-            <a:r>
-              <a:rPr lang="en-US" sz="1000" dirty="0"/>
-              <a:t>(Within </a:t>
-            </a:r>
-            <a:r>
-              <a:rPr lang="en-US" sz="1000" dirty="0" err="1"/>
-              <a:t>pom</a:t>
-            </a:r>
-            <a:r>
-              <a:rPr lang="en-US" sz="1000" dirty="0"/>
-              <a:t> xml)</a:t>
-            </a:r>
-          </a:p>
-        </p:txBody>
-      </p:sp>
-      <p:cxnSp>
-        <p:nvCxnSpPr>
-          <p:cNvPr id="15" name="Straight Arrow Connector 14"/>
-          <p:cNvCxnSpPr>
-            <a:stCxn id="4" idx="2"/>
-            <a:endCxn id="12" idx="0"/>
-          </p:cNvCxnSpPr>
-          <p:nvPr/>
-        </p:nvCxnSpPr>
-        <p:spPr>
-          <a:xfrm flipH="1">
-            <a:off x="6621187" y="4269656"/>
-            <a:ext cx="499905" cy="1007968"/>
-          </a:xfrm>
-          <a:prstGeom prst="straightConnector1">
-            <a:avLst/>
-          </a:prstGeom>
-          <a:ln w="12700" cmpd="sng">
-            <a:solidFill>
-              <a:schemeClr val="bg1">
-                <a:lumMod val="50000"/>
-              </a:schemeClr>
-            </a:solidFill>
-            <a:tailEnd type="triangle"/>
-          </a:ln>
-          <a:effectLst/>
-        </p:spPr>
-        <p:style>
-          <a:lnRef idx="2">
-            <a:schemeClr val="accent1"/>
-          </a:lnRef>
-          <a:fillRef idx="0">
-            <a:schemeClr val="accent1"/>
-          </a:fillRef>
-          <a:effectRef idx="1">
-            <a:schemeClr val="accent1"/>
-          </a:effectRef>
-          <a:fontRef idx="minor">
-            <a:schemeClr val="tx1"/>
-          </a:fontRef>
-        </p:style>
-      </p:cxnSp>
-      <p:cxnSp>
-        <p:nvCxnSpPr>
-          <p:cNvPr id="17" name="Straight Arrow Connector 16"/>
-          <p:cNvCxnSpPr/>
-          <p:nvPr/>
-        </p:nvCxnSpPr>
-        <p:spPr>
-          <a:xfrm>
-            <a:off x="7121092" y="4277894"/>
-            <a:ext cx="478673" cy="992579"/>
-          </a:xfrm>
-          <a:prstGeom prst="straightConnector1">
-            <a:avLst/>
-          </a:prstGeom>
-          <a:ln w="12700" cmpd="sng">
-            <a:solidFill>
-              <a:schemeClr val="bg1">
-                <a:lumMod val="50000"/>
-              </a:schemeClr>
-            </a:solidFill>
-            <a:tailEnd type="triangle"/>
-          </a:ln>
-          <a:effectLst/>
-        </p:spPr>
-        <p:style>
-          <a:lnRef idx="2">
-            <a:schemeClr val="accent1"/>
-          </a:lnRef>
-          <a:fillRef idx="0">
-            <a:schemeClr val="accent1"/>
-          </a:fillRef>
-          <a:effectRef idx="1">
-            <a:schemeClr val="accent1"/>
-          </a:effectRef>
-          <a:fontRef idx="minor">
-            <a:schemeClr val="tx1"/>
-          </a:fontRef>
-        </p:style>
-      </p:cxnSp>
-      <p:sp>
-        <p:nvSpPr>
-          <p:cNvPr id="18" name="TextBox 17"/>
-          <p:cNvSpPr txBox="1"/>
-          <p:nvPr/>
-        </p:nvSpPr>
-        <p:spPr>
-          <a:xfrm>
-            <a:off x="457652" y="1286415"/>
-            <a:ext cx="6696513" cy="1015663"/>
-          </a:xfrm>
-          <a:prstGeom prst="rect">
-            <a:avLst/>
-          </a:prstGeom>
-          <a:noFill/>
-        </p:spPr>
-        <p:txBody>
-          <a:bodyPr wrap="none" rtlCol="0">
-            <a:spAutoFit/>
-          </a:bodyPr>
-          <a:lstStyle/>
-          <a:p>
-            <a:r>
-              <a:rPr lang="en-US" sz="1200" b="1" u="sng" dirty="0"/>
-              <a:t>Overview </a:t>
-            </a:r>
-          </a:p>
-          <a:p>
-            <a:pPr marL="171450" indent="-171450">
-              <a:buFont typeface="Arial" panose="020B0604020202020204" pitchFamily="34" charset="0"/>
-              <a:buChar char="•"/>
-            </a:pPr>
-            <a:r>
-              <a:rPr lang="en-US" sz="1200" dirty="0"/>
-              <a:t>Open source tools with free distribution </a:t>
-            </a:r>
-          </a:p>
-          <a:p>
-            <a:pPr marL="171450" indent="-171450">
-              <a:buFont typeface="Arial" panose="020B0604020202020204" pitchFamily="34" charset="0"/>
-              <a:buChar char="•"/>
-            </a:pPr>
-            <a:r>
-              <a:rPr lang="en-US" sz="1200" dirty="0"/>
-              <a:t>Base code framework is a layer on top of selenium to simplify automation effort ( Reusability )</a:t>
-            </a:r>
-          </a:p>
-          <a:p>
-            <a:pPr marL="171450" indent="-171450">
-              <a:buFont typeface="Arial" panose="020B0604020202020204" pitchFamily="34" charset="0"/>
-              <a:buChar char="•"/>
-            </a:pPr>
-            <a:r>
-              <a:rPr lang="en-US" sz="1200" dirty="0"/>
-              <a:t>Base code could be used for any Web UI automation (Extendibility) </a:t>
-            </a:r>
-          </a:p>
-          <a:p>
-            <a:pPr marL="171450" indent="-171450">
-              <a:buFont typeface="Arial" panose="020B0604020202020204" pitchFamily="34" charset="0"/>
-              <a:buChar char="•"/>
-            </a:pPr>
-            <a:r>
-              <a:rPr lang="en-US" sz="1200" dirty="0"/>
-              <a:t>Can be enabled with minimal coding  skill</a:t>
-            </a:r>
+              <a:t>All test cases included in the resources\testing.xml will be execute and reports are generated </a:t>
+            </a:r>
+          </a:p>
+          <a:p>
+            <a:r>
+              <a:rPr lang="en-US" sz="1400" dirty="0"/>
+              <a:t>Error screenshots are captured and stored in screenshot folder</a:t>
+            </a:r>
+          </a:p>
+          <a:p>
+            <a:r>
+              <a:rPr lang="en-US" sz="1400" dirty="0"/>
+              <a:t>Mail is sent on failure of test run</a:t>
+            </a:r>
+          </a:p>
+          <a:p>
+            <a:endParaRPr lang="en-US" sz="1400" dirty="0"/>
           </a:p>
         </p:txBody>
       </p:sp>
     </p:spTree>
     <p:extLst>
       <p:ext uri="{BB962C8B-B14F-4D97-AF65-F5344CB8AC3E}">
-        <p14:creationId xmlns:p14="http://schemas.microsoft.com/office/powerpoint/2010/main" val="261097722"/>
+        <p14:creationId xmlns:p14="http://schemas.microsoft.com/office/powerpoint/2010/main" val="969598566"/>
       </p:ext>
     </p:extLst>
   </p:cSld>
@@ -5879,223 +5950,6 @@
       </p:grpSpPr>
       <p:sp>
         <p:nvSpPr>
-          <p:cNvPr id="2" name="Title 1"/>
-          <p:cNvSpPr>
-            <a:spLocks noGrp="1"/>
-          </p:cNvSpPr>
-          <p:nvPr>
-            <p:ph type="title"/>
-          </p:nvPr>
-        </p:nvSpPr>
-        <p:spPr/>
-        <p:txBody>
-          <a:bodyPr>
-            <a:normAutofit fontScale="90000"/>
-          </a:bodyPr>
-          <a:lstStyle/>
-          <a:p>
-            <a:r>
-              <a:rPr lang="en-US" dirty="0"/>
-              <a:t>DEMO</a:t>
-            </a:r>
-          </a:p>
-        </p:txBody>
-      </p:sp>
-      <p:sp>
-        <p:nvSpPr>
-          <p:cNvPr id="3" name="Content Placeholder 2"/>
-          <p:cNvSpPr>
-            <a:spLocks noGrp="1"/>
-          </p:cNvSpPr>
-          <p:nvPr>
-            <p:ph sz="quarter" idx="12"/>
-          </p:nvPr>
-        </p:nvSpPr>
-        <p:spPr/>
-        <p:txBody>
-          <a:bodyPr/>
-          <a:lstStyle/>
-          <a:p>
-            <a:endParaRPr lang="en-US" dirty="0"/>
-          </a:p>
-          <a:p>
-            <a:endParaRPr lang="en-US" dirty="0"/>
-          </a:p>
-          <a:p>
-            <a:endParaRPr lang="en-US" dirty="0"/>
-          </a:p>
-          <a:p>
-            <a:endParaRPr lang="en-US" dirty="0"/>
-          </a:p>
-          <a:p>
-            <a:pPr marL="1371600" lvl="3" indent="0">
-              <a:buNone/>
-            </a:pPr>
-            <a:endParaRPr lang="en-US" dirty="0"/>
-          </a:p>
-          <a:p>
-            <a:pPr marL="1371600" lvl="3" indent="0">
-              <a:buNone/>
-            </a:pPr>
-            <a:endParaRPr lang="en-US" dirty="0"/>
-          </a:p>
-          <a:p>
-            <a:pPr marL="1371600" lvl="3" indent="0">
-              <a:buNone/>
-            </a:pPr>
-            <a:r>
-              <a:rPr lang="en-US" sz="2800" dirty="0"/>
-              <a:t>Demo</a:t>
-            </a:r>
-          </a:p>
-        </p:txBody>
-      </p:sp>
-      <p:sp>
-        <p:nvSpPr>
-          <p:cNvPr id="4" name="Content Placeholder 3"/>
-          <p:cNvSpPr>
-            <a:spLocks noGrp="1"/>
-          </p:cNvSpPr>
-          <p:nvPr>
-            <p:ph sz="quarter" idx="15"/>
-          </p:nvPr>
-        </p:nvSpPr>
-        <p:spPr/>
-        <p:txBody>
-          <a:bodyPr/>
-          <a:lstStyle/>
-          <a:p>
-            <a:r>
-              <a:rPr lang="en-US" sz="1400" dirty="0"/>
-              <a:t>Steps to run test</a:t>
-            </a:r>
-          </a:p>
-          <a:p>
-            <a:pPr lvl="1"/>
-            <a:r>
-              <a:rPr lang="en-US" sz="1200" dirty="0"/>
-              <a:t>Login to cloud lab VM </a:t>
-            </a:r>
-          </a:p>
-          <a:p>
-            <a:pPr lvl="1"/>
-            <a:r>
-              <a:rPr lang="en-US" sz="1200" dirty="0" smtClean="0"/>
-              <a:t>running </a:t>
-            </a:r>
-            <a:r>
-              <a:rPr lang="en-US" sz="1200" dirty="0"/>
-              <a:t>as service</a:t>
-            </a:r>
-          </a:p>
-          <a:p>
-            <a:pPr lvl="2"/>
-            <a:r>
-              <a:rPr lang="en-US" sz="1000" dirty="0"/>
-              <a:t>On restart of machine (validate the same) </a:t>
-            </a:r>
-          </a:p>
-          <a:p>
-            <a:pPr lvl="1"/>
-            <a:r>
-              <a:rPr lang="en-US" sz="1200" dirty="0"/>
-              <a:t>Open a command prompt</a:t>
-            </a:r>
-          </a:p>
-          <a:p>
-            <a:pPr lvl="1"/>
-            <a:r>
-              <a:rPr lang="en-US" sz="1200" dirty="0"/>
-              <a:t>&gt;cd </a:t>
-            </a:r>
-            <a:r>
-              <a:rPr lang="en-US" sz="1200" dirty="0" smtClean="0"/>
-              <a:t>Automation</a:t>
-            </a:r>
-            <a:r>
-              <a:rPr lang="en-US" sz="1200" dirty="0"/>
-              <a:t>	</a:t>
-            </a:r>
-          </a:p>
-          <a:p>
-            <a:pPr lvl="1"/>
-            <a:r>
-              <a:rPr lang="en-US" sz="1200" dirty="0"/>
-              <a:t>&gt;</a:t>
-            </a:r>
-            <a:r>
-              <a:rPr lang="en-US" sz="1200" dirty="0" smtClean="0"/>
-              <a:t>run*.</a:t>
-            </a:r>
-            <a:r>
-              <a:rPr lang="en-US" sz="1200" dirty="0"/>
-              <a:t>bat </a:t>
-            </a:r>
-          </a:p>
-          <a:p>
-            <a:endParaRPr lang="en-US" sz="1400" dirty="0"/>
-          </a:p>
-          <a:p>
-            <a:pPr marL="0" indent="0">
-              <a:buNone/>
-            </a:pPr>
-            <a:endParaRPr lang="en-US" sz="1400" dirty="0"/>
-          </a:p>
-          <a:p>
-            <a:r>
-              <a:rPr lang="en-US" sz="1400" dirty="0"/>
-              <a:t>All test cases included in the resources\testing.xml will be execute and reports are generated </a:t>
-            </a:r>
-          </a:p>
-          <a:p>
-            <a:r>
-              <a:rPr lang="en-US" sz="1400" dirty="0"/>
-              <a:t>Error screenshots are captured and stored in screenshot folder</a:t>
-            </a:r>
-          </a:p>
-          <a:p>
-            <a:r>
-              <a:rPr lang="en-US" sz="1400" dirty="0"/>
-              <a:t>Mail is sent on failure of test run</a:t>
-            </a:r>
-          </a:p>
-          <a:p>
-            <a:endParaRPr lang="en-US" sz="1400" dirty="0"/>
-          </a:p>
-        </p:txBody>
-      </p:sp>
-    </p:spTree>
-    <p:extLst>
-      <p:ext uri="{BB962C8B-B14F-4D97-AF65-F5344CB8AC3E}">
-        <p14:creationId xmlns:p14="http://schemas.microsoft.com/office/powerpoint/2010/main" val="969598566"/>
-      </p:ext>
-    </p:extLst>
-  </p:cSld>
-  <p:clrMapOvr>
-    <a:masterClrMapping/>
-  </p:clrMapOvr>
-</p:sld>
-</file>
-
-<file path=ppt/slides/slide4.xml><?xml version="1.0" encoding="utf-8"?>
-<p:sld xmlns:a="http://schemas.openxmlformats.org/drawingml/2006/main" xmlns:r="http://schemas.openxmlformats.org/officeDocument/2006/relationships" xmlns:p="http://schemas.openxmlformats.org/presentationml/2006/main">
-  <p:cSld>
-    <p:spTree>
-      <p:nvGrpSpPr>
-        <p:cNvPr id="1" name=""/>
-        <p:cNvGrpSpPr/>
-        <p:nvPr/>
-      </p:nvGrpSpPr>
-      <p:grpSpPr>
-        <a:xfrm>
-          <a:off x="0" y="0"/>
-          <a:ext cx="0" cy="0"/>
-          <a:chOff x="0" y="0"/>
-          <a:chExt cx="0" cy="0"/>
-        </a:xfrm>
-      </p:grpSpPr>
-      <p:sp>
-        <p:nvSpPr>
           <p:cNvPr id="4" name="Title 3"/>
           <p:cNvSpPr>
             <a:spLocks noGrp="1"/>
@@ -6141,7 +5995,7 @@
               <a:pPr>
                 <a:defRPr/>
               </a:pPr>
-              <a:t>3</a:t>
+              <a:t>2</a:t>
             </a:fld>
             <a:endParaRPr lang="en-US" dirty="0"/>
           </a:p>
@@ -6558,6 +6412,246 @@
 </p:sld>
 </file>
 
+<file path=ppt/slides/slide4.xml><?xml version="1.0" encoding="utf-8"?>
+<p:sld xmlns:a="http://schemas.openxmlformats.org/drawingml/2006/main" xmlns:r="http://schemas.openxmlformats.org/officeDocument/2006/relationships" xmlns:p="http://schemas.openxmlformats.org/presentationml/2006/main">
+  <p:cSld>
+    <p:spTree>
+      <p:nvGrpSpPr>
+        <p:cNvPr id="1" name=""/>
+        <p:cNvGrpSpPr/>
+        <p:nvPr/>
+      </p:nvGrpSpPr>
+      <p:grpSpPr>
+        <a:xfrm>
+          <a:off x="0" y="0"/>
+          <a:ext cx="0" cy="0"/>
+          <a:chOff x="0" y="0"/>
+          <a:chExt cx="0" cy="0"/>
+        </a:xfrm>
+      </p:grpSpPr>
+      <p:sp>
+        <p:nvSpPr>
+          <p:cNvPr id="2" name="Title 1"/>
+          <p:cNvSpPr>
+            <a:spLocks noGrp="1"/>
+          </p:cNvSpPr>
+          <p:nvPr>
+            <p:ph type="title"/>
+          </p:nvPr>
+        </p:nvSpPr>
+        <p:spPr/>
+        <p:txBody>
+          <a:bodyPr>
+            <a:normAutofit fontScale="90000"/>
+          </a:bodyPr>
+          <a:lstStyle/>
+          <a:p>
+            <a:r>
+              <a:rPr lang="en-US" dirty="0"/>
+              <a:t>Source Files to look into </a:t>
+            </a:r>
+          </a:p>
+        </p:txBody>
+      </p:sp>
+      <p:sp>
+        <p:nvSpPr>
+          <p:cNvPr id="4" name="Content Placeholder 3"/>
+          <p:cNvSpPr>
+            <a:spLocks noGrp="1"/>
+          </p:cNvSpPr>
+          <p:nvPr>
+            <p:ph sz="quarter" idx="12"/>
+          </p:nvPr>
+        </p:nvSpPr>
+        <p:spPr>
+          <a:xfrm>
+            <a:off x="522914" y="1005840"/>
+            <a:ext cx="3872588" cy="5047934"/>
+          </a:xfrm>
+        </p:spPr>
+        <p:txBody>
+          <a:bodyPr/>
+          <a:lstStyle/>
+          <a:p>
+            <a:r>
+              <a:rPr lang="en-US" sz="1100" dirty="0"/>
+              <a:t>META-INF\</a:t>
+            </a:r>
+          </a:p>
+          <a:p>
+            <a:r>
+              <a:rPr lang="en-US" sz="1100" dirty="0"/>
+              <a:t>\</a:t>
+            </a:r>
+            <a:r>
+              <a:rPr lang="en-US" sz="1100" dirty="0" err="1"/>
+              <a:t>src</a:t>
+            </a:r>
+            <a:r>
+              <a:rPr lang="en-US" sz="1100" dirty="0"/>
+              <a:t>\com\automation\</a:t>
+            </a:r>
+            <a:r>
+              <a:rPr lang="en-US" sz="1100" dirty="0" err="1"/>
+              <a:t>ui</a:t>
+            </a:r>
+            <a:r>
+              <a:rPr lang="en-US" sz="1100" dirty="0"/>
+              <a:t>\base</a:t>
+            </a:r>
+          </a:p>
+          <a:p>
+            <a:pPr lvl="1"/>
+            <a:r>
+              <a:rPr lang="en-US" sz="900" dirty="0"/>
+              <a:t>Has the base code base used for all UI tests  Abstraction of selenium</a:t>
+            </a:r>
+          </a:p>
+          <a:p>
+            <a:r>
+              <a:rPr lang="en-US" sz="1100" dirty="0"/>
+              <a:t>\</a:t>
+            </a:r>
+            <a:r>
+              <a:rPr lang="en-US" sz="1100" dirty="0" err="1"/>
+              <a:t>src</a:t>
+            </a:r>
+            <a:r>
+              <a:rPr lang="en-US" sz="1100" dirty="0"/>
+              <a:t>\com\automation\</a:t>
+            </a:r>
+            <a:r>
+              <a:rPr lang="en-US" sz="1100" dirty="0" err="1"/>
+              <a:t>ui</a:t>
+            </a:r>
+            <a:r>
+              <a:rPr lang="en-US" sz="1100" dirty="0"/>
+              <a:t>\connected</a:t>
+            </a:r>
+          </a:p>
+          <a:p>
+            <a:pPr lvl="1"/>
+            <a:r>
+              <a:rPr lang="en-US" sz="900" dirty="0"/>
+              <a:t>Sample project did for connected programs-. Kept for refence </a:t>
+            </a:r>
+          </a:p>
+          <a:p>
+            <a:r>
+              <a:rPr lang="en-US" sz="1100" dirty="0"/>
+              <a:t>\</a:t>
+            </a:r>
+            <a:r>
+              <a:rPr lang="en-US" sz="1100" dirty="0" err="1" smtClean="0"/>
+              <a:t>src</a:t>
+            </a:r>
+            <a:r>
+              <a:rPr lang="en-US" sz="1100" dirty="0" smtClean="0"/>
+              <a:t>\com\automation\</a:t>
+            </a:r>
+            <a:r>
+              <a:rPr lang="en-US" sz="1100" dirty="0" err="1" smtClean="0"/>
+              <a:t>ui</a:t>
+            </a:r>
+            <a:r>
+              <a:rPr lang="en-US" sz="1100" dirty="0" smtClean="0"/>
+              <a:t>\</a:t>
+            </a:r>
+            <a:r>
+              <a:rPr lang="en-US" sz="1100" dirty="0" err="1" smtClean="0"/>
+              <a:t>git</a:t>
+            </a:r>
+            <a:endParaRPr lang="en-US" sz="1100" dirty="0"/>
+          </a:p>
+          <a:p>
+            <a:pPr lvl="1"/>
+            <a:r>
+              <a:rPr lang="en-US" sz="900" dirty="0"/>
+              <a:t>Code for </a:t>
+            </a:r>
+            <a:r>
+              <a:rPr lang="en-US" sz="900" dirty="0" err="1"/>
+              <a:t>ipe</a:t>
+            </a:r>
+            <a:r>
+              <a:rPr lang="en-US" sz="900" dirty="0"/>
+              <a:t> program</a:t>
+            </a:r>
+          </a:p>
+          <a:p>
+            <a:r>
+              <a:rPr lang="en-US" sz="1100" dirty="0"/>
+              <a:t>\target</a:t>
+            </a:r>
+          </a:p>
+          <a:p>
+            <a:pPr lvl="1"/>
+            <a:r>
+              <a:rPr lang="en-US" sz="900" dirty="0"/>
+              <a:t>Output class files generated for every run of build</a:t>
+            </a:r>
+          </a:p>
+          <a:p>
+            <a:endParaRPr lang="en-US" sz="1100" dirty="0"/>
+          </a:p>
+          <a:p>
+            <a:endParaRPr lang="en-US" sz="1100" dirty="0"/>
+          </a:p>
+          <a:p>
+            <a:pPr lvl="1"/>
+            <a:endParaRPr lang="en-US" sz="900" dirty="0"/>
+          </a:p>
+          <a:p>
+            <a:pPr lvl="1"/>
+            <a:endParaRPr lang="en-US" sz="900" dirty="0"/>
+          </a:p>
+          <a:p>
+            <a:endParaRPr lang="en-US" sz="1100" dirty="0"/>
+          </a:p>
+        </p:txBody>
+      </p:sp>
+      <p:sp>
+        <p:nvSpPr>
+          <p:cNvPr id="6" name="Slide Number Placeholder 5"/>
+          <p:cNvSpPr>
+            <a:spLocks noGrp="1"/>
+          </p:cNvSpPr>
+          <p:nvPr>
+            <p:ph type="sldNum" sz="quarter" idx="17"/>
+          </p:nvPr>
+        </p:nvSpPr>
+        <p:spPr/>
+        <p:txBody>
+          <a:bodyPr/>
+          <a:lstStyle/>
+          <a:p>
+            <a:pPr>
+              <a:defRPr/>
+            </a:pPr>
+            <a:fld id="{1B12E7C4-40E5-40A3-8899-DC60D9AA9FF5}" type="slidenum">
+              <a:rPr lang="en-US" smtClean="0"/>
+              <a:pPr>
+                <a:defRPr/>
+              </a:pPr>
+              <a:t>3</a:t>
+            </a:fld>
+            <a:endParaRPr lang="en-US" dirty="0"/>
+          </a:p>
+        </p:txBody>
+      </p:sp>
+    </p:spTree>
+    <p:extLst>
+      <p:ext uri="{BB962C8B-B14F-4D97-AF65-F5344CB8AC3E}">
+        <p14:creationId xmlns:p14="http://schemas.microsoft.com/office/powerpoint/2010/main" val="1304522040"/>
+      </p:ext>
+    </p:extLst>
+  </p:cSld>
+  <p:clrMapOvr>
+    <a:masterClrMapping/>
+  </p:clrMapOvr>
+</p:sld>
+</file>
+
 <file path=ppt/slides/slide5.xml><?xml version="1.0" encoding="utf-8"?>
 <p:sld xmlns:a="http://schemas.openxmlformats.org/drawingml/2006/main" xmlns:r="http://schemas.openxmlformats.org/officeDocument/2006/relationships" xmlns:p="http://schemas.openxmlformats.org/presentationml/2006/main">
   <p:cSld>
@@ -6577,246 +6671,6 @@
       </p:grpSpPr>
       <p:sp>
         <p:nvSpPr>
-          <p:cNvPr id="2" name="Title 1"/>
-          <p:cNvSpPr>
-            <a:spLocks noGrp="1"/>
-          </p:cNvSpPr>
-          <p:nvPr>
-            <p:ph type="title"/>
-          </p:nvPr>
-        </p:nvSpPr>
-        <p:spPr/>
-        <p:txBody>
-          <a:bodyPr>
-            <a:normAutofit fontScale="90000"/>
-          </a:bodyPr>
-          <a:lstStyle/>
-          <a:p>
-            <a:r>
-              <a:rPr lang="en-US" dirty="0"/>
-              <a:t>Source Files to look into </a:t>
-            </a:r>
-          </a:p>
-        </p:txBody>
-      </p:sp>
-      <p:sp>
-        <p:nvSpPr>
-          <p:cNvPr id="4" name="Content Placeholder 3"/>
-          <p:cNvSpPr>
-            <a:spLocks noGrp="1"/>
-          </p:cNvSpPr>
-          <p:nvPr>
-            <p:ph sz="quarter" idx="12"/>
-          </p:nvPr>
-        </p:nvSpPr>
-        <p:spPr>
-          <a:xfrm>
-            <a:off x="522914" y="1005840"/>
-            <a:ext cx="3872588" cy="5047934"/>
-          </a:xfrm>
-        </p:spPr>
-        <p:txBody>
-          <a:bodyPr/>
-          <a:lstStyle/>
-          <a:p>
-            <a:r>
-              <a:rPr lang="en-US" sz="1100" dirty="0"/>
-              <a:t>META-INF\</a:t>
-            </a:r>
-          </a:p>
-          <a:p>
-            <a:r>
-              <a:rPr lang="en-US" sz="1100" dirty="0"/>
-              <a:t>\</a:t>
-            </a:r>
-            <a:r>
-              <a:rPr lang="en-US" sz="1100" dirty="0" err="1"/>
-              <a:t>src</a:t>
-            </a:r>
-            <a:r>
-              <a:rPr lang="en-US" sz="1100" dirty="0"/>
-              <a:t>\com\automation\</a:t>
-            </a:r>
-            <a:r>
-              <a:rPr lang="en-US" sz="1100" dirty="0" err="1"/>
-              <a:t>ui</a:t>
-            </a:r>
-            <a:r>
-              <a:rPr lang="en-US" sz="1100" dirty="0"/>
-              <a:t>\base</a:t>
-            </a:r>
-          </a:p>
-          <a:p>
-            <a:pPr lvl="1"/>
-            <a:r>
-              <a:rPr lang="en-US" sz="900" dirty="0"/>
-              <a:t>Has the base code base used for all UI tests  Abstraction of selenium</a:t>
-            </a:r>
-          </a:p>
-          <a:p>
-            <a:r>
-              <a:rPr lang="en-US" sz="1100" dirty="0"/>
-              <a:t>\</a:t>
-            </a:r>
-            <a:r>
-              <a:rPr lang="en-US" sz="1100" dirty="0" err="1"/>
-              <a:t>src</a:t>
-            </a:r>
-            <a:r>
-              <a:rPr lang="en-US" sz="1100" dirty="0"/>
-              <a:t>\com\automation\</a:t>
-            </a:r>
-            <a:r>
-              <a:rPr lang="en-US" sz="1100" dirty="0" err="1"/>
-              <a:t>ui</a:t>
-            </a:r>
-            <a:r>
-              <a:rPr lang="en-US" sz="1100" dirty="0"/>
-              <a:t>\connected</a:t>
-            </a:r>
-          </a:p>
-          <a:p>
-            <a:pPr lvl="1"/>
-            <a:r>
-              <a:rPr lang="en-US" sz="900" dirty="0"/>
-              <a:t>Sample project did for connected programs-. Kept for refence </a:t>
-            </a:r>
-          </a:p>
-          <a:p>
-            <a:r>
-              <a:rPr lang="en-US" sz="1100" dirty="0"/>
-              <a:t>\</a:t>
-            </a:r>
-            <a:r>
-              <a:rPr lang="en-US" sz="1100" dirty="0" err="1" smtClean="0"/>
-              <a:t>src</a:t>
-            </a:r>
-            <a:r>
-              <a:rPr lang="en-US" sz="1100" dirty="0" smtClean="0"/>
-              <a:t>\com\automation\</a:t>
-            </a:r>
-            <a:r>
-              <a:rPr lang="en-US" sz="1100" dirty="0" err="1" smtClean="0"/>
-              <a:t>ui</a:t>
-            </a:r>
-            <a:r>
-              <a:rPr lang="en-US" sz="1100" dirty="0" smtClean="0"/>
-              <a:t>\</a:t>
-            </a:r>
-            <a:r>
-              <a:rPr lang="en-US" sz="1100" dirty="0" err="1" smtClean="0"/>
-              <a:t>git</a:t>
-            </a:r>
-            <a:endParaRPr lang="en-US" sz="1100" dirty="0"/>
-          </a:p>
-          <a:p>
-            <a:pPr lvl="1"/>
-            <a:r>
-              <a:rPr lang="en-US" sz="900" dirty="0"/>
-              <a:t>Code for </a:t>
-            </a:r>
-            <a:r>
-              <a:rPr lang="en-US" sz="900" dirty="0" err="1"/>
-              <a:t>ipe</a:t>
-            </a:r>
-            <a:r>
-              <a:rPr lang="en-US" sz="900" dirty="0"/>
-              <a:t> program</a:t>
-            </a:r>
-          </a:p>
-          <a:p>
-            <a:r>
-              <a:rPr lang="en-US" sz="1100" dirty="0"/>
-              <a:t>\target</a:t>
-            </a:r>
-          </a:p>
-          <a:p>
-            <a:pPr lvl="1"/>
-            <a:r>
-              <a:rPr lang="en-US" sz="900" dirty="0"/>
-              <a:t>Output class files generated for every run of build</a:t>
-            </a:r>
-          </a:p>
-          <a:p>
-            <a:endParaRPr lang="en-US" sz="1100" dirty="0"/>
-          </a:p>
-          <a:p>
-            <a:endParaRPr lang="en-US" sz="1100" dirty="0"/>
-          </a:p>
-          <a:p>
-            <a:pPr lvl="1"/>
-            <a:endParaRPr lang="en-US" sz="900" dirty="0"/>
-          </a:p>
-          <a:p>
-            <a:pPr lvl="1"/>
-            <a:endParaRPr lang="en-US" sz="900" dirty="0"/>
-          </a:p>
-          <a:p>
-            <a:endParaRPr lang="en-US" sz="1100" dirty="0"/>
-          </a:p>
-        </p:txBody>
-      </p:sp>
-      <p:sp>
-        <p:nvSpPr>
-          <p:cNvPr id="6" name="Slide Number Placeholder 5"/>
-          <p:cNvSpPr>
-            <a:spLocks noGrp="1"/>
-          </p:cNvSpPr>
-          <p:nvPr>
-            <p:ph type="sldNum" sz="quarter" idx="17"/>
-          </p:nvPr>
-        </p:nvSpPr>
-        <p:spPr/>
-        <p:txBody>
-          <a:bodyPr/>
-          <a:lstStyle/>
-          <a:p>
-            <a:pPr>
-              <a:defRPr/>
-            </a:pPr>
-            <a:fld id="{1B12E7C4-40E5-40A3-8899-DC60D9AA9FF5}" type="slidenum">
-              <a:rPr lang="en-US" smtClean="0"/>
-              <a:pPr>
-                <a:defRPr/>
-              </a:pPr>
-              <a:t>4</a:t>
-            </a:fld>
-            <a:endParaRPr lang="en-US" dirty="0"/>
-          </a:p>
-        </p:txBody>
-      </p:sp>
-    </p:spTree>
-    <p:extLst>
-      <p:ext uri="{BB962C8B-B14F-4D97-AF65-F5344CB8AC3E}">
-        <p14:creationId xmlns:p14="http://schemas.microsoft.com/office/powerpoint/2010/main" val="1304522040"/>
-      </p:ext>
-    </p:extLst>
-  </p:cSld>
-  <p:clrMapOvr>
-    <a:masterClrMapping/>
-  </p:clrMapOvr>
-</p:sld>
-</file>
-
-<file path=ppt/slides/slide6.xml><?xml version="1.0" encoding="utf-8"?>
-<p:sld xmlns:a="http://schemas.openxmlformats.org/drawingml/2006/main" xmlns:r="http://schemas.openxmlformats.org/officeDocument/2006/relationships" xmlns:p="http://schemas.openxmlformats.org/presentationml/2006/main">
-  <p:cSld>
-    <p:spTree>
-      <p:nvGrpSpPr>
-        <p:cNvPr id="1" name=""/>
-        <p:cNvGrpSpPr/>
-        <p:nvPr/>
-      </p:nvGrpSpPr>
-      <p:grpSpPr>
-        <a:xfrm>
-          <a:off x="0" y="0"/>
-          <a:ext cx="0" cy="0"/>
-          <a:chOff x="0" y="0"/>
-          <a:chExt cx="0" cy="0"/>
-        </a:xfrm>
-      </p:grpSpPr>
-      <p:sp>
-        <p:nvSpPr>
           <p:cNvPr id="65" name="Oval 64"/>
           <p:cNvSpPr/>
           <p:nvPr/>
@@ -7174,7 +7028,7 @@
               <a:pPr>
                 <a:defRPr/>
               </a:pPr>
-              <a:t>5</a:t>
+              <a:t>4</a:t>
             </a:fld>
             <a:endParaRPr lang="en-US" dirty="0"/>
           </a:p>
@@ -8415,6 +8269,228 @@
 </p:sld>
 </file>
 
+<file path=ppt/slides/slide6.xml><?xml version="1.0" encoding="utf-8"?>
+<p:sld xmlns:a="http://schemas.openxmlformats.org/drawingml/2006/main" xmlns:r="http://schemas.openxmlformats.org/officeDocument/2006/relationships" xmlns:p="http://schemas.openxmlformats.org/presentationml/2006/main">
+  <p:cSld>
+    <p:spTree>
+      <p:nvGrpSpPr>
+        <p:cNvPr id="1" name=""/>
+        <p:cNvGrpSpPr/>
+        <p:nvPr/>
+      </p:nvGrpSpPr>
+      <p:grpSpPr>
+        <a:xfrm>
+          <a:off x="0" y="0"/>
+          <a:ext cx="0" cy="0"/>
+          <a:chOff x="0" y="0"/>
+          <a:chExt cx="0" cy="0"/>
+        </a:xfrm>
+      </p:grpSpPr>
+      <p:sp>
+        <p:nvSpPr>
+          <p:cNvPr id="2" name="Title 1"/>
+          <p:cNvSpPr>
+            <a:spLocks noGrp="1"/>
+          </p:cNvSpPr>
+          <p:nvPr>
+            <p:ph type="title"/>
+          </p:nvPr>
+        </p:nvSpPr>
+        <p:spPr/>
+        <p:txBody>
+          <a:bodyPr>
+            <a:normAutofit fontScale="90000"/>
+          </a:bodyPr>
+          <a:lstStyle/>
+          <a:p>
+            <a:r>
+              <a:rPr lang="en-US" dirty="0"/>
+              <a:t>Resource files</a:t>
+            </a:r>
+          </a:p>
+        </p:txBody>
+      </p:sp>
+      <p:sp>
+        <p:nvSpPr>
+          <p:cNvPr id="4" name="Content Placeholder 3"/>
+          <p:cNvSpPr>
+            <a:spLocks noGrp="1"/>
+          </p:cNvSpPr>
+          <p:nvPr>
+            <p:ph sz="quarter" idx="12"/>
+          </p:nvPr>
+        </p:nvSpPr>
+        <p:spPr>
+          <a:xfrm>
+            <a:off x="522914" y="1005840"/>
+            <a:ext cx="3872588" cy="5047934"/>
+          </a:xfrm>
+        </p:spPr>
+        <p:txBody>
+          <a:bodyPr/>
+          <a:lstStyle/>
+          <a:p>
+            <a:r>
+              <a:rPr lang="en-US" sz="1100" dirty="0"/>
+              <a:t>\resources\config\</a:t>
+            </a:r>
+          </a:p>
+          <a:p>
+            <a:pPr lvl="1"/>
+            <a:r>
+              <a:rPr lang="en-US" sz="900" dirty="0" err="1"/>
+              <a:t>config.yml</a:t>
+            </a:r>
+            <a:r>
+              <a:rPr lang="en-US" sz="900" dirty="0"/>
+              <a:t>  -Framework specific configuration ( overriding) </a:t>
+            </a:r>
+          </a:p>
+          <a:p>
+            <a:pPr lvl="1"/>
+            <a:r>
+              <a:rPr lang="en-US" sz="900" dirty="0" err="1"/>
+              <a:t>config_default.yml</a:t>
+            </a:r>
+            <a:r>
+              <a:rPr lang="en-US" sz="900" dirty="0"/>
+              <a:t> –default framework configurations</a:t>
+            </a:r>
+          </a:p>
+          <a:p>
+            <a:endParaRPr lang="en-US" sz="1100" dirty="0"/>
+          </a:p>
+          <a:p>
+            <a:r>
+              <a:rPr lang="en-US" sz="1100" dirty="0"/>
+              <a:t>\resources\data\</a:t>
+            </a:r>
+          </a:p>
+          <a:p>
+            <a:pPr lvl="1"/>
+            <a:r>
+              <a:rPr lang="en-US" sz="900" dirty="0"/>
+              <a:t>All test specific data for data driven testing</a:t>
+            </a:r>
+          </a:p>
+          <a:p>
+            <a:r>
+              <a:rPr lang="en-US" sz="1100" dirty="0"/>
+              <a:t>resources\properties\</a:t>
+            </a:r>
+          </a:p>
+          <a:p>
+            <a:pPr lvl="1"/>
+            <a:r>
+              <a:rPr lang="en-US" sz="900" dirty="0"/>
+              <a:t>Test module specific property files</a:t>
+            </a:r>
+            <a:endParaRPr lang="en-US" sz="700" dirty="0"/>
+          </a:p>
+          <a:p>
+            <a:r>
+              <a:rPr lang="en-US" sz="1100" dirty="0"/>
+              <a:t>resources\</a:t>
+            </a:r>
+            <a:r>
+              <a:rPr lang="en-US" sz="1100" dirty="0" err="1"/>
+              <a:t>velocitytemplates</a:t>
+            </a:r>
+            <a:r>
+              <a:rPr lang="en-US" sz="1100" dirty="0"/>
+              <a:t>\</a:t>
+            </a:r>
+          </a:p>
+          <a:p>
+            <a:pPr lvl="1"/>
+            <a:r>
+              <a:rPr lang="en-US" sz="900" dirty="0"/>
+              <a:t>Velocity template used for reporting</a:t>
+            </a:r>
+          </a:p>
+          <a:p>
+            <a:r>
+              <a:rPr lang="en-US" sz="1100" dirty="0"/>
+              <a:t>resources\selenium-config\</a:t>
+            </a:r>
+          </a:p>
+          <a:p>
+            <a:pPr lvl="1"/>
+            <a:r>
+              <a:rPr lang="en-US" sz="900" dirty="0"/>
+              <a:t>VPN or internal credential information stored in a private repository modules</a:t>
+            </a:r>
+          </a:p>
+          <a:p>
+            <a:r>
+              <a:rPr lang="en-US" sz="1100" dirty="0"/>
+              <a:t>Folder to skip for now</a:t>
+            </a:r>
+          </a:p>
+          <a:p>
+            <a:pPr lvl="1"/>
+            <a:r>
+              <a:rPr lang="en-US" sz="900" dirty="0" err="1"/>
+              <a:t>BaseLine</a:t>
+            </a:r>
+            <a:r>
+              <a:rPr lang="en-US" sz="900" dirty="0"/>
+              <a:t>,*</a:t>
+            </a:r>
+            <a:r>
+              <a:rPr lang="en-US" sz="900" dirty="0" err="1"/>
+              <a:t>Profiles,ImageTools,ImageForUploadTests,TextFiles</a:t>
+            </a:r>
+            <a:endParaRPr lang="en-US" sz="900" dirty="0"/>
+          </a:p>
+          <a:p>
+            <a:pPr lvl="1"/>
+            <a:endParaRPr lang="en-US" sz="900" b="1" dirty="0"/>
+          </a:p>
+        </p:txBody>
+      </p:sp>
+      <p:sp>
+        <p:nvSpPr>
+          <p:cNvPr id="6" name="Slide Number Placeholder 5"/>
+          <p:cNvSpPr>
+            <a:spLocks noGrp="1"/>
+          </p:cNvSpPr>
+          <p:nvPr>
+            <p:ph type="sldNum" sz="quarter" idx="17"/>
+          </p:nvPr>
+        </p:nvSpPr>
+        <p:spPr/>
+        <p:txBody>
+          <a:bodyPr/>
+          <a:lstStyle/>
+          <a:p>
+            <a:pPr>
+              <a:defRPr/>
+            </a:pPr>
+            <a:fld id="{1B12E7C4-40E5-40A3-8899-DC60D9AA9FF5}" type="slidenum">
+              <a:rPr lang="en-US" smtClean="0"/>
+              <a:pPr>
+                <a:defRPr/>
+              </a:pPr>
+              <a:t>5</a:t>
+            </a:fld>
+            <a:endParaRPr lang="en-US" dirty="0"/>
+          </a:p>
+        </p:txBody>
+      </p:sp>
+    </p:spTree>
+    <p:extLst>
+      <p:ext uri="{BB962C8B-B14F-4D97-AF65-F5344CB8AC3E}">
+        <p14:creationId xmlns:p14="http://schemas.microsoft.com/office/powerpoint/2010/main" val="2752621109"/>
+      </p:ext>
+    </p:extLst>
+  </p:cSld>
+  <p:clrMapOvr>
+    <a:masterClrMapping/>
+  </p:clrMapOvr>
+</p:sld>
+</file>
+
 <file path=ppt/slides/slide7.xml><?xml version="1.0" encoding="utf-8"?>
 <p:sld xmlns:a="http://schemas.openxmlformats.org/drawingml/2006/main" xmlns:r="http://schemas.openxmlformats.org/officeDocument/2006/relationships" xmlns:p="http://schemas.openxmlformats.org/presentationml/2006/main">
   <p:cSld>
@@ -8434,228 +8510,6 @@
       </p:grpSpPr>
       <p:sp>
         <p:nvSpPr>
-          <p:cNvPr id="2" name="Title 1"/>
-          <p:cNvSpPr>
-            <a:spLocks noGrp="1"/>
-          </p:cNvSpPr>
-          <p:nvPr>
-            <p:ph type="title"/>
-          </p:nvPr>
-        </p:nvSpPr>
-        <p:spPr/>
-        <p:txBody>
-          <a:bodyPr>
-            <a:normAutofit fontScale="90000"/>
-          </a:bodyPr>
-          <a:lstStyle/>
-          <a:p>
-            <a:r>
-              <a:rPr lang="en-US" dirty="0"/>
-              <a:t>Resource files</a:t>
-            </a:r>
-          </a:p>
-        </p:txBody>
-      </p:sp>
-      <p:sp>
-        <p:nvSpPr>
-          <p:cNvPr id="4" name="Content Placeholder 3"/>
-          <p:cNvSpPr>
-            <a:spLocks noGrp="1"/>
-          </p:cNvSpPr>
-          <p:nvPr>
-            <p:ph sz="quarter" idx="12"/>
-          </p:nvPr>
-        </p:nvSpPr>
-        <p:spPr>
-          <a:xfrm>
-            <a:off x="522914" y="1005840"/>
-            <a:ext cx="3872588" cy="5047934"/>
-          </a:xfrm>
-        </p:spPr>
-        <p:txBody>
-          <a:bodyPr/>
-          <a:lstStyle/>
-          <a:p>
-            <a:r>
-              <a:rPr lang="en-US" sz="1100" dirty="0"/>
-              <a:t>\resources\config\</a:t>
-            </a:r>
-          </a:p>
-          <a:p>
-            <a:pPr lvl="1"/>
-            <a:r>
-              <a:rPr lang="en-US" sz="900" dirty="0" err="1"/>
-              <a:t>config.yml</a:t>
-            </a:r>
-            <a:r>
-              <a:rPr lang="en-US" sz="900" dirty="0"/>
-              <a:t>  -Framework specific configuration ( overriding) </a:t>
-            </a:r>
-          </a:p>
-          <a:p>
-            <a:pPr lvl="1"/>
-            <a:r>
-              <a:rPr lang="en-US" sz="900" dirty="0" err="1"/>
-              <a:t>config_default.yml</a:t>
-            </a:r>
-            <a:r>
-              <a:rPr lang="en-US" sz="900" dirty="0"/>
-              <a:t> –default framework configurations</a:t>
-            </a:r>
-          </a:p>
-          <a:p>
-            <a:endParaRPr lang="en-US" sz="1100" dirty="0"/>
-          </a:p>
-          <a:p>
-            <a:r>
-              <a:rPr lang="en-US" sz="1100" dirty="0"/>
-              <a:t>\resources\data\</a:t>
-            </a:r>
-          </a:p>
-          <a:p>
-            <a:pPr lvl="1"/>
-            <a:r>
-              <a:rPr lang="en-US" sz="900" dirty="0"/>
-              <a:t>All test specific data for data driven testing</a:t>
-            </a:r>
-          </a:p>
-          <a:p>
-            <a:r>
-              <a:rPr lang="en-US" sz="1100" dirty="0"/>
-              <a:t>resources\properties\</a:t>
-            </a:r>
-          </a:p>
-          <a:p>
-            <a:pPr lvl="1"/>
-            <a:r>
-              <a:rPr lang="en-US" sz="900" dirty="0"/>
-              <a:t>Test module specific property files</a:t>
-            </a:r>
-            <a:endParaRPr lang="en-US" sz="700" dirty="0"/>
-          </a:p>
-          <a:p>
-            <a:r>
-              <a:rPr lang="en-US" sz="1100" dirty="0"/>
-              <a:t>resources\</a:t>
-            </a:r>
-            <a:r>
-              <a:rPr lang="en-US" sz="1100" dirty="0" err="1"/>
-              <a:t>velocitytemplates</a:t>
-            </a:r>
-            <a:r>
-              <a:rPr lang="en-US" sz="1100" dirty="0"/>
-              <a:t>\</a:t>
-            </a:r>
-          </a:p>
-          <a:p>
-            <a:pPr lvl="1"/>
-            <a:r>
-              <a:rPr lang="en-US" sz="900" dirty="0"/>
-              <a:t>Velocity template used for reporting</a:t>
-            </a:r>
-          </a:p>
-          <a:p>
-            <a:r>
-              <a:rPr lang="en-US" sz="1100" dirty="0"/>
-              <a:t>resources\selenium-config\</a:t>
-            </a:r>
-          </a:p>
-          <a:p>
-            <a:pPr lvl="1"/>
-            <a:r>
-              <a:rPr lang="en-US" sz="900" dirty="0"/>
-              <a:t>VPN or internal credential information stored in a private repository modules</a:t>
-            </a:r>
-          </a:p>
-          <a:p>
-            <a:r>
-              <a:rPr lang="en-US" sz="1100" dirty="0"/>
-              <a:t>Folder to skip for now</a:t>
-            </a:r>
-          </a:p>
-          <a:p>
-            <a:pPr lvl="1"/>
-            <a:r>
-              <a:rPr lang="en-US" sz="900" dirty="0" err="1"/>
-              <a:t>BaseLine</a:t>
-            </a:r>
-            <a:r>
-              <a:rPr lang="en-US" sz="900" dirty="0"/>
-              <a:t>,*</a:t>
-            </a:r>
-            <a:r>
-              <a:rPr lang="en-US" sz="900" dirty="0" err="1"/>
-              <a:t>Profiles,ImageTools,ImageForUploadTests,TextFiles</a:t>
-            </a:r>
-            <a:endParaRPr lang="en-US" sz="900" dirty="0"/>
-          </a:p>
-          <a:p>
-            <a:pPr lvl="1"/>
-            <a:endParaRPr lang="en-US" sz="900" b="1" dirty="0"/>
-          </a:p>
-        </p:txBody>
-      </p:sp>
-      <p:sp>
-        <p:nvSpPr>
-          <p:cNvPr id="6" name="Slide Number Placeholder 5"/>
-          <p:cNvSpPr>
-            <a:spLocks noGrp="1"/>
-          </p:cNvSpPr>
-          <p:nvPr>
-            <p:ph type="sldNum" sz="quarter" idx="17"/>
-          </p:nvPr>
-        </p:nvSpPr>
-        <p:spPr/>
-        <p:txBody>
-          <a:bodyPr/>
-          <a:lstStyle/>
-          <a:p>
-            <a:pPr>
-              <a:defRPr/>
-            </a:pPr>
-            <a:fld id="{1B12E7C4-40E5-40A3-8899-DC60D9AA9FF5}" type="slidenum">
-              <a:rPr lang="en-US" smtClean="0"/>
-              <a:pPr>
-                <a:defRPr/>
-              </a:pPr>
-              <a:t>6</a:t>
-            </a:fld>
-            <a:endParaRPr lang="en-US" dirty="0"/>
-          </a:p>
-        </p:txBody>
-      </p:sp>
-    </p:spTree>
-    <p:extLst>
-      <p:ext uri="{BB962C8B-B14F-4D97-AF65-F5344CB8AC3E}">
-        <p14:creationId xmlns:p14="http://schemas.microsoft.com/office/powerpoint/2010/main" val="2752621109"/>
-      </p:ext>
-    </p:extLst>
-  </p:cSld>
-  <p:clrMapOvr>
-    <a:masterClrMapping/>
-  </p:clrMapOvr>
-</p:sld>
-</file>
-
-<file path=ppt/slides/slide8.xml><?xml version="1.0" encoding="utf-8"?>
-<p:sld xmlns:a="http://schemas.openxmlformats.org/drawingml/2006/main" xmlns:r="http://schemas.openxmlformats.org/officeDocument/2006/relationships" xmlns:p="http://schemas.openxmlformats.org/presentationml/2006/main">
-  <p:cSld>
-    <p:spTree>
-      <p:nvGrpSpPr>
-        <p:cNvPr id="1" name=""/>
-        <p:cNvGrpSpPr/>
-        <p:nvPr/>
-      </p:nvGrpSpPr>
-      <p:grpSpPr>
-        <a:xfrm>
-          <a:off x="0" y="0"/>
-          <a:ext cx="0" cy="0"/>
-          <a:chOff x="0" y="0"/>
-          <a:chExt cx="0" cy="0"/>
-        </a:xfrm>
-      </p:grpSpPr>
-      <p:sp>
-        <p:nvSpPr>
           <p:cNvPr id="4" name="Title 3"/>
           <p:cNvSpPr>
             <a:spLocks noGrp="1"/>
@@ -8754,7 +8608,7 @@
               <a:pPr>
                 <a:defRPr/>
               </a:pPr>
-              <a:t>7</a:t>
+              <a:t>6</a:t>
             </a:fld>
             <a:endParaRPr lang="en-US" dirty="0"/>
           </a:p>
@@ -9484,6 +9338,149 @@
 </p:sld>
 </file>
 
+<file path=ppt/slides/slide8.xml><?xml version="1.0" encoding="utf-8"?>
+<p:sld xmlns:a="http://schemas.openxmlformats.org/drawingml/2006/main" xmlns:r="http://schemas.openxmlformats.org/officeDocument/2006/relationships" xmlns:p="http://schemas.openxmlformats.org/presentationml/2006/main">
+  <p:cSld>
+    <p:spTree>
+      <p:nvGrpSpPr>
+        <p:cNvPr id="1" name=""/>
+        <p:cNvGrpSpPr/>
+        <p:nvPr/>
+      </p:nvGrpSpPr>
+      <p:grpSpPr>
+        <a:xfrm>
+          <a:off x="0" y="0"/>
+          <a:ext cx="0" cy="0"/>
+          <a:chOff x="0" y="0"/>
+          <a:chExt cx="0" cy="0"/>
+        </a:xfrm>
+      </p:grpSpPr>
+      <p:sp>
+        <p:nvSpPr>
+          <p:cNvPr id="2" name="Title 1"/>
+          <p:cNvSpPr>
+            <a:spLocks noGrp="1"/>
+          </p:cNvSpPr>
+          <p:nvPr>
+            <p:ph type="title"/>
+          </p:nvPr>
+        </p:nvSpPr>
+        <p:spPr/>
+        <p:txBody>
+          <a:bodyPr>
+            <a:normAutofit fontScale="90000"/>
+          </a:bodyPr>
+          <a:lstStyle/>
+          <a:p>
+            <a:r>
+              <a:rPr lang="en-US" dirty="0"/>
+              <a:t>Log Files to look into </a:t>
+            </a:r>
+          </a:p>
+        </p:txBody>
+      </p:sp>
+      <p:sp>
+        <p:nvSpPr>
+          <p:cNvPr id="4" name="Content Placeholder 3"/>
+          <p:cNvSpPr>
+            <a:spLocks noGrp="1"/>
+          </p:cNvSpPr>
+          <p:nvPr>
+            <p:ph sz="quarter" idx="12"/>
+          </p:nvPr>
+        </p:nvSpPr>
+        <p:spPr>
+          <a:xfrm>
+            <a:off x="522914" y="1005840"/>
+            <a:ext cx="3872588" cy="5047934"/>
+          </a:xfrm>
+        </p:spPr>
+        <p:txBody>
+          <a:bodyPr/>
+          <a:lstStyle/>
+          <a:p>
+            <a:r>
+              <a:rPr lang="en-US" sz="1100" dirty="0"/>
+              <a:t>logs\</a:t>
+            </a:r>
+          </a:p>
+          <a:p>
+            <a:pPr lvl="1"/>
+            <a:r>
+              <a:rPr lang="en-US" sz="900" dirty="0"/>
+              <a:t>Velocity.log has the output from the velocity reporting template</a:t>
+            </a:r>
+          </a:p>
+          <a:p>
+            <a:pPr lvl="1"/>
+            <a:r>
+              <a:rPr lang="en-US" sz="900" dirty="0" err="1"/>
+              <a:t>Automation.logs</a:t>
+            </a:r>
+            <a:r>
+              <a:rPr lang="en-US" sz="900" dirty="0"/>
+              <a:t> have the output from the automation framework</a:t>
+            </a:r>
+          </a:p>
+          <a:p>
+            <a:pPr lvl="1"/>
+            <a:r>
+              <a:rPr lang="en-US" sz="900" dirty="0" err="1"/>
+              <a:t>Realreports</a:t>
+            </a:r>
+            <a:r>
+              <a:rPr lang="en-US" sz="900" dirty="0"/>
+              <a:t> have test report and error screenshots </a:t>
+            </a:r>
+          </a:p>
+          <a:p>
+            <a:pPr lvl="1"/>
+            <a:endParaRPr lang="en-US" sz="900" dirty="0"/>
+          </a:p>
+        </p:txBody>
+      </p:sp>
+      <p:sp>
+        <p:nvSpPr>
+          <p:cNvPr id="6" name="Slide Number Placeholder 5"/>
+          <p:cNvSpPr>
+            <a:spLocks noGrp="1"/>
+          </p:cNvSpPr>
+          <p:nvPr>
+            <p:ph type="sldNum" sz="quarter" idx="17"/>
+          </p:nvPr>
+        </p:nvSpPr>
+        <p:spPr/>
+        <p:txBody>
+          <a:bodyPr/>
+          <a:lstStyle/>
+          <a:p>
+            <a:pPr>
+              <a:defRPr/>
+            </a:pPr>
+            <a:fld id="{1B12E7C4-40E5-40A3-8899-DC60D9AA9FF5}" type="slidenum">
+              <a:rPr lang="en-US" smtClean="0"/>
+              <a:pPr>
+                <a:defRPr/>
+              </a:pPr>
+              <a:t>7</a:t>
+            </a:fld>
+            <a:endParaRPr lang="en-US" dirty="0"/>
+          </a:p>
+        </p:txBody>
+      </p:sp>
+    </p:spTree>
+    <p:extLst>
+      <p:ext uri="{BB962C8B-B14F-4D97-AF65-F5344CB8AC3E}">
+        <p14:creationId xmlns:p14="http://schemas.microsoft.com/office/powerpoint/2010/main" val="1710329925"/>
+      </p:ext>
+    </p:extLst>
+  </p:cSld>
+  <p:clrMapOvr>
+    <a:masterClrMapping/>
+  </p:clrMapOvr>
+</p:sld>
+</file>
+
 <file path=ppt/slides/slide9.xml><?xml version="1.0" encoding="utf-8"?>
 <p:sld xmlns:a="http://schemas.openxmlformats.org/drawingml/2006/main" xmlns:r="http://schemas.openxmlformats.org/officeDocument/2006/relationships" xmlns:p="http://schemas.openxmlformats.org/presentationml/2006/main">
   <p:cSld>
@@ -9520,104 +9517,45 @@
           <a:p>
             <a:r>
               <a:rPr lang="en-US" dirty="0"/>
-              <a:t>Log Files to look into </a:t>
-            </a:r>
-          </a:p>
-        </p:txBody>
-      </p:sp>
-      <p:sp>
-        <p:nvSpPr>
-          <p:cNvPr id="4" name="Content Placeholder 3"/>
-          <p:cNvSpPr>
-            <a:spLocks noGrp="1"/>
-          </p:cNvSpPr>
-          <p:nvPr>
-            <p:ph sz="quarter" idx="12"/>
-          </p:nvPr>
-        </p:nvSpPr>
+              <a:t>Test case Class Design layout</a:t>
+            </a:r>
+          </a:p>
+        </p:txBody>
+      </p:sp>
+      <p:pic>
+        <p:nvPicPr>
+          <p:cNvPr id="5" name="Picture 4">
+            <a:extLst>
+              <a:ext uri="{FF2B5EF4-FFF2-40B4-BE49-F238E27FC236}">
+                <a16:creationId xmlns:a16="http://schemas.microsoft.com/office/drawing/2014/main" xmlns="" id="{B41798B5-7325-4150-8F6C-634B779C2015}"/>
+              </a:ext>
+            </a:extLst>
+          </p:cNvPr>
+          <p:cNvPicPr>
+            <a:picLocks noChangeAspect="1"/>
+          </p:cNvPicPr>
+          <p:nvPr/>
+        </p:nvPicPr>
+        <p:blipFill>
+          <a:blip r:embed="rId2"/>
+          <a:stretch>
+            <a:fillRect/>
+          </a:stretch>
+        </p:blipFill>
         <p:spPr>
           <a:xfrm>
-            <a:off x="522914" y="1005840"/>
-            <a:ext cx="3872588" cy="5047934"/>
-          </a:xfrm>
-        </p:spPr>
-        <p:txBody>
-          <a:bodyPr/>
-          <a:lstStyle/>
-          <a:p>
-            <a:r>
-              <a:rPr lang="en-US" sz="1100" dirty="0"/>
-              <a:t>logs\</a:t>
-            </a:r>
-          </a:p>
-          <a:p>
-            <a:pPr lvl="1"/>
-            <a:r>
-              <a:rPr lang="en-US" sz="900" dirty="0"/>
-              <a:t>Velocity.log has the output from the velocity reporting template</a:t>
-            </a:r>
-          </a:p>
-          <a:p>
-            <a:pPr lvl="1"/>
-            <a:r>
-              <a:rPr lang="en-US" sz="900" dirty="0" err="1"/>
-              <a:t>Automation.logs</a:t>
-            </a:r>
-            <a:r>
-              <a:rPr lang="en-US" sz="900" dirty="0"/>
-              <a:t> have the output from the automation framework</a:t>
-            </a:r>
-          </a:p>
-          <a:p>
-            <a:pPr lvl="1"/>
-            <a:r>
-              <a:rPr lang="en-US" sz="900" dirty="0" err="1"/>
-              <a:t>Realreports</a:t>
-            </a:r>
-            <a:r>
-              <a:rPr lang="en-US" sz="900" dirty="0"/>
-              <a:t> have test report and error screenshots </a:t>
-            </a:r>
-          </a:p>
-          <a:p>
-            <a:pPr lvl="1"/>
-            <a:endParaRPr lang="en-US" sz="900" dirty="0"/>
-          </a:p>
-        </p:txBody>
-      </p:sp>
-      <p:sp>
-        <p:nvSpPr>
-          <p:cNvPr id="6" name="Slide Number Placeholder 5"/>
-          <p:cNvSpPr>
-            <a:spLocks noGrp="1"/>
-          </p:cNvSpPr>
-          <p:nvPr>
-            <p:ph type="sldNum" sz="quarter" idx="17"/>
-          </p:nvPr>
-        </p:nvSpPr>
-        <p:spPr/>
-        <p:txBody>
-          <a:bodyPr/>
-          <a:lstStyle/>
-          <a:p>
-            <a:pPr>
-              <a:defRPr/>
-            </a:pPr>
-            <a:fld id="{1B12E7C4-40E5-40A3-8899-DC60D9AA9FF5}" type="slidenum">
-              <a:rPr lang="en-US" smtClean="0"/>
-              <a:pPr>
-                <a:defRPr/>
-              </a:pPr>
-              <a:t>8</a:t>
-            </a:fld>
-            <a:endParaRPr lang="en-US" dirty="0"/>
-          </a:p>
-        </p:txBody>
-      </p:sp>
+            <a:off x="941074" y="1073522"/>
+            <a:ext cx="6826611" cy="4943173"/>
+          </a:xfrm>
+          <a:prstGeom prst="rect">
+            <a:avLst/>
+          </a:prstGeom>
+        </p:spPr>
+      </p:pic>
     </p:spTree>
     <p:extLst>
       <p:ext uri="{BB962C8B-B14F-4D97-AF65-F5344CB8AC3E}">
-        <p14:creationId xmlns:p14="http://schemas.microsoft.com/office/powerpoint/2010/main" val="1710329925"/>
+        <p14:creationId xmlns:p14="http://schemas.microsoft.com/office/powerpoint/2010/main" val="3534890542"/>
       </p:ext>
     </p:extLst>
   </p:cSld>
@@ -10693,14 +10631,14 @@
 <file path=customXml/itemProps3.xml><?xml version="1.0" encoding="utf-8"?>
 <ds:datastoreItem xmlns:ds="http://schemas.openxmlformats.org/officeDocument/2006/customXml" ds:itemID="{D0C9905A-CBD0-4539-91F7-7758145DCB1F}">
   <ds:schemaRefs>
-    <ds:schemaRef ds:uri="http://purl.org/dc/elements/1.1/"/>
+    <ds:schemaRef ds:uri="http://schemas.microsoft.com/office/2006/metadata/properties"/>
     <ds:schemaRef ds:uri="http://purl.org/dc/dcmitype/"/>
-    <ds:schemaRef ds:uri="http://schemas.openxmlformats.org/package/2006/metadata/core-properties"/>
     <ds:schemaRef ds:uri="http://schemas.microsoft.com/office/2006/documentManagement/types"/>
     <ds:schemaRef ds:uri="http://www.w3.org/XML/1998/namespace"/>
-    <ds:schemaRef ds:uri="http://schemas.microsoft.com/office/2006/metadata/properties"/>
+    <ds:schemaRef ds:uri="http://schemas.openxmlformats.org/package/2006/metadata/core-properties"/>
+    <ds:schemaRef ds:uri="http://purl.org/dc/terms/"/>
     <ds:schemaRef ds:uri="http://schemas.microsoft.com/office/infopath/2007/PartnerControls"/>
-    <ds:schemaRef ds:uri="http://purl.org/dc/terms/"/>
+    <ds:schemaRef ds:uri="http://purl.org/dc/elements/1.1/"/>
   </ds:schemaRefs>
 </ds:datastoreItem>
 </file>